--- a/az-secu-architecture.pptx
+++ b/az-secu-architecture.pptx
@@ -12,9 +12,9 @@
     <p:sldId id="257" r:id="rId3"/>
     <p:sldId id="258" r:id="rId4"/>
     <p:sldId id="259" r:id="rId5"/>
-    <p:sldId id="261" r:id="rId6"/>
-    <p:sldId id="262" r:id="rId7"/>
-    <p:sldId id="263" r:id="rId8"/>
+    <p:sldId id="263" r:id="rId6"/>
+    <p:sldId id="261" r:id="rId7"/>
+    <p:sldId id="262" r:id="rId8"/>
     <p:sldId id="264" r:id="rId9"/>
     <p:sldId id="266" r:id="rId10"/>
   </p:sldIdLst>
@@ -115,6 +115,11 @@
       </a:defRPr>
     </a:lvl9pPr>
   </p:defaultTextStyle>
+  <p:extLst>
+    <p:ext uri="{EFAFB233-063F-42B5-8137-9DF3F51BA10A}">
+      <p15:sldGuideLst xmlns:p15="http://schemas.microsoft.com/office/powerpoint/2012/main"/>
+    </p:ext>
+  </p:extLst>
 </p:presentation>
 </file>
 
@@ -200,7 +205,7 @@
           <a:p>
             <a:fld id="{DAF7D79D-1369-4F33-A016-C387C925D739}" type="datetimeFigureOut">
               <a:rPr lang="en-US" smtClean="0"/>
-              <a:t>12/10/2017</a:t>
+              <a:t>12/11/2017</a:t>
             </a:fld>
             <a:endParaRPr lang="en-US"/>
           </a:p>
@@ -877,7 +882,7 @@
     </p:spTree>
     <p:extLst>
       <p:ext uri="{BB962C8B-B14F-4D97-AF65-F5344CB8AC3E}">
-        <p14:creationId xmlns:p14="http://schemas.microsoft.com/office/powerpoint/2010/main" val="165550040"/>
+        <p14:creationId xmlns:p14="http://schemas.microsoft.com/office/powerpoint/2010/main" val="903972420"/>
       </p:ext>
     </p:extLst>
   </p:cSld>
@@ -961,7 +966,7 @@
     </p:spTree>
     <p:extLst>
       <p:ext uri="{BB962C8B-B14F-4D97-AF65-F5344CB8AC3E}">
-        <p14:creationId xmlns:p14="http://schemas.microsoft.com/office/powerpoint/2010/main" val="4272857408"/>
+        <p14:creationId xmlns:p14="http://schemas.microsoft.com/office/powerpoint/2010/main" val="165550040"/>
       </p:ext>
     </p:extLst>
   </p:cSld>
@@ -1045,7 +1050,7 @@
     </p:spTree>
     <p:extLst>
       <p:ext uri="{BB962C8B-B14F-4D97-AF65-F5344CB8AC3E}">
-        <p14:creationId xmlns:p14="http://schemas.microsoft.com/office/powerpoint/2010/main" val="903972420"/>
+        <p14:creationId xmlns:p14="http://schemas.microsoft.com/office/powerpoint/2010/main" val="4272857408"/>
       </p:ext>
     </p:extLst>
   </p:cSld>
@@ -1370,7 +1375,7 @@
           <a:p>
             <a:fld id="{E0BD7D3B-3ABA-47A7-AB42-A0BA20E9A015}" type="datetimeFigureOut">
               <a:rPr lang="en-US" smtClean="0"/>
-              <a:t>12/10/2017</a:t>
+              <a:t>12/11/2017</a:t>
             </a:fld>
             <a:endParaRPr lang="en-US"/>
           </a:p>
@@ -1568,7 +1573,7 @@
           <a:p>
             <a:fld id="{E0BD7D3B-3ABA-47A7-AB42-A0BA20E9A015}" type="datetimeFigureOut">
               <a:rPr lang="en-US" smtClean="0"/>
-              <a:t>12/10/2017</a:t>
+              <a:t>12/11/2017</a:t>
             </a:fld>
             <a:endParaRPr lang="en-US"/>
           </a:p>
@@ -1776,7 +1781,7 @@
           <a:p>
             <a:fld id="{E0BD7D3B-3ABA-47A7-AB42-A0BA20E9A015}" type="datetimeFigureOut">
               <a:rPr lang="en-US" smtClean="0"/>
-              <a:t>12/10/2017</a:t>
+              <a:t>12/11/2017</a:t>
             </a:fld>
             <a:endParaRPr lang="en-US"/>
           </a:p>
@@ -1974,7 +1979,7 @@
           <a:p>
             <a:fld id="{E0BD7D3B-3ABA-47A7-AB42-A0BA20E9A015}" type="datetimeFigureOut">
               <a:rPr lang="en-US" smtClean="0"/>
-              <a:t>12/10/2017</a:t>
+              <a:t>12/11/2017</a:t>
             </a:fld>
             <a:endParaRPr lang="en-US"/>
           </a:p>
@@ -2249,7 +2254,7 @@
           <a:p>
             <a:fld id="{E0BD7D3B-3ABA-47A7-AB42-A0BA20E9A015}" type="datetimeFigureOut">
               <a:rPr lang="en-US" smtClean="0"/>
-              <a:t>12/10/2017</a:t>
+              <a:t>12/11/2017</a:t>
             </a:fld>
             <a:endParaRPr lang="en-US"/>
           </a:p>
@@ -2514,7 +2519,7 @@
           <a:p>
             <a:fld id="{E0BD7D3B-3ABA-47A7-AB42-A0BA20E9A015}" type="datetimeFigureOut">
               <a:rPr lang="en-US" smtClean="0"/>
-              <a:t>12/10/2017</a:t>
+              <a:t>12/11/2017</a:t>
             </a:fld>
             <a:endParaRPr lang="en-US"/>
           </a:p>
@@ -2926,7 +2931,7 @@
           <a:p>
             <a:fld id="{E0BD7D3B-3ABA-47A7-AB42-A0BA20E9A015}" type="datetimeFigureOut">
               <a:rPr lang="en-US" smtClean="0"/>
-              <a:t>12/10/2017</a:t>
+              <a:t>12/11/2017</a:t>
             </a:fld>
             <a:endParaRPr lang="en-US"/>
           </a:p>
@@ -3067,7 +3072,7 @@
           <a:p>
             <a:fld id="{E0BD7D3B-3ABA-47A7-AB42-A0BA20E9A015}" type="datetimeFigureOut">
               <a:rPr lang="en-US" smtClean="0"/>
-              <a:t>12/10/2017</a:t>
+              <a:t>12/11/2017</a:t>
             </a:fld>
             <a:endParaRPr lang="en-US"/>
           </a:p>
@@ -3180,7 +3185,7 @@
           <a:p>
             <a:fld id="{E0BD7D3B-3ABA-47A7-AB42-A0BA20E9A015}" type="datetimeFigureOut">
               <a:rPr lang="en-US" smtClean="0"/>
-              <a:t>12/10/2017</a:t>
+              <a:t>12/11/2017</a:t>
             </a:fld>
             <a:endParaRPr lang="en-US"/>
           </a:p>
@@ -3491,7 +3496,7 @@
           <a:p>
             <a:fld id="{E0BD7D3B-3ABA-47A7-AB42-A0BA20E9A015}" type="datetimeFigureOut">
               <a:rPr lang="en-US" smtClean="0"/>
-              <a:t>12/10/2017</a:t>
+              <a:t>12/11/2017</a:t>
             </a:fld>
             <a:endParaRPr lang="en-US"/>
           </a:p>
@@ -3779,7 +3784,7 @@
           <a:p>
             <a:fld id="{E0BD7D3B-3ABA-47A7-AB42-A0BA20E9A015}" type="datetimeFigureOut">
               <a:rPr lang="en-US" smtClean="0"/>
-              <a:t>12/10/2017</a:t>
+              <a:t>12/11/2017</a:t>
             </a:fld>
             <a:endParaRPr lang="en-US"/>
           </a:p>
@@ -4020,7 +4025,7 @@
           <a:p>
             <a:fld id="{E0BD7D3B-3ABA-47A7-AB42-A0BA20E9A015}" type="datetimeFigureOut">
               <a:rPr lang="en-US" smtClean="0"/>
-              <a:t>12/10/2017</a:t>
+              <a:t>12/11/2017</a:t>
             </a:fld>
             <a:endParaRPr lang="en-US"/>
           </a:p>
@@ -4462,7 +4467,7 @@
         </p:spPr>
         <p:txBody>
           <a:bodyPr vert="horz" lIns="91440" tIns="45720" rIns="91440" bIns="45720" rtlCol="0" anchor="b">
-            <a:normAutofit fontScale="40000" lnSpcReduction="20000"/>
+            <a:normAutofit fontScale="47500" lnSpcReduction="20000"/>
           </a:bodyPr>
           <a:lstStyle>
             <a:lvl1pPr algn="ctr" defTabSz="914400" rtl="0" eaLnBrk="1" latinLnBrk="0" hangingPunct="1">
@@ -9781,6 +9786,1194 @@
           </a:p>
         </p:txBody>
       </p:sp>
+      <p:pic>
+        <p:nvPicPr>
+          <p:cNvPr id="52" name="Picture 51">
+            <a:extLst>
+              <a:ext uri="{FF2B5EF4-FFF2-40B4-BE49-F238E27FC236}">
+                <a16:creationId xmlns:a16="http://schemas.microsoft.com/office/drawing/2014/main" id="{BC20FD52-36B2-418F-9D63-531FCA594B45}"/>
+              </a:ext>
+            </a:extLst>
+          </p:cNvPr>
+          <p:cNvPicPr>
+            <a:picLocks noChangeAspect="1"/>
+          </p:cNvPicPr>
+          <p:nvPr/>
+        </p:nvPicPr>
+        <p:blipFill>
+          <a:blip r:embed="rId6">
+            <a:extLst>
+              <a:ext uri="{28A0092B-C50C-407E-A947-70E740481C1C}">
+                <a14:useLocalDpi xmlns:a14="http://schemas.microsoft.com/office/drawing/2010/main" val="0"/>
+              </a:ext>
+            </a:extLst>
+          </a:blip>
+          <a:stretch>
+            <a:fillRect/>
+          </a:stretch>
+        </p:blipFill>
+        <p:spPr>
+          <a:xfrm>
+            <a:off x="6835751" y="3051916"/>
+            <a:ext cx="780290" cy="780290"/>
+          </a:xfrm>
+          <a:prstGeom prst="rect">
+            <a:avLst/>
+          </a:prstGeom>
+        </p:spPr>
+      </p:pic>
+      <p:pic>
+        <p:nvPicPr>
+          <p:cNvPr id="63" name="Picture 62">
+            <a:extLst>
+              <a:ext uri="{FF2B5EF4-FFF2-40B4-BE49-F238E27FC236}">
+                <a16:creationId xmlns:a16="http://schemas.microsoft.com/office/drawing/2014/main" id="{438CD32F-A4BD-4A9A-8AAF-1B81CE4494C6}"/>
+              </a:ext>
+            </a:extLst>
+          </p:cNvPr>
+          <p:cNvPicPr>
+            <a:picLocks noChangeAspect="1"/>
+          </p:cNvPicPr>
+          <p:nvPr/>
+        </p:nvPicPr>
+        <p:blipFill>
+          <a:blip r:embed="rId7">
+            <a:extLst>
+              <a:ext uri="{28A0092B-C50C-407E-A947-70E740481C1C}">
+                <a14:useLocalDpi xmlns:a14="http://schemas.microsoft.com/office/drawing/2010/main" val="0"/>
+              </a:ext>
+            </a:extLst>
+          </a:blip>
+          <a:stretch>
+            <a:fillRect/>
+          </a:stretch>
+        </p:blipFill>
+        <p:spPr>
+          <a:xfrm>
+            <a:off x="2255339" y="3390317"/>
+            <a:ext cx="842477" cy="842477"/>
+          </a:xfrm>
+          <a:prstGeom prst="rect">
+            <a:avLst/>
+          </a:prstGeom>
+        </p:spPr>
+      </p:pic>
+      <p:pic>
+        <p:nvPicPr>
+          <p:cNvPr id="65" name="Picture 64">
+            <a:extLst>
+              <a:ext uri="{FF2B5EF4-FFF2-40B4-BE49-F238E27FC236}">
+                <a16:creationId xmlns:a16="http://schemas.microsoft.com/office/drawing/2014/main" id="{1415C4C9-9DA3-4183-BBE9-D23225EEBC72}"/>
+              </a:ext>
+            </a:extLst>
+          </p:cNvPr>
+          <p:cNvPicPr>
+            <a:picLocks noChangeAspect="1"/>
+          </p:cNvPicPr>
+          <p:nvPr/>
+        </p:nvPicPr>
+        <p:blipFill>
+          <a:blip r:embed="rId8">
+            <a:extLst>
+              <a:ext uri="{28A0092B-C50C-407E-A947-70E740481C1C}">
+                <a14:useLocalDpi xmlns:a14="http://schemas.microsoft.com/office/drawing/2010/main" val="0"/>
+              </a:ext>
+            </a:extLst>
+          </a:blip>
+          <a:stretch>
+            <a:fillRect/>
+          </a:stretch>
+        </p:blipFill>
+        <p:spPr>
+          <a:xfrm>
+            <a:off x="3965814" y="4659789"/>
+            <a:ext cx="780290" cy="780290"/>
+          </a:xfrm>
+          <a:prstGeom prst="rect">
+            <a:avLst/>
+          </a:prstGeom>
+        </p:spPr>
+      </p:pic>
+      <p:pic>
+        <p:nvPicPr>
+          <p:cNvPr id="69" name="Picture 68">
+            <a:extLst>
+              <a:ext uri="{FF2B5EF4-FFF2-40B4-BE49-F238E27FC236}">
+                <a16:creationId xmlns:a16="http://schemas.microsoft.com/office/drawing/2014/main" id="{22EAC71A-B0B1-4ACD-8EB1-45488A8DF7B6}"/>
+              </a:ext>
+            </a:extLst>
+          </p:cNvPr>
+          <p:cNvPicPr>
+            <a:picLocks noChangeAspect="1"/>
+          </p:cNvPicPr>
+          <p:nvPr/>
+        </p:nvPicPr>
+        <p:blipFill>
+          <a:blip r:embed="rId9">
+            <a:extLst>
+              <a:ext uri="{28A0092B-C50C-407E-A947-70E740481C1C}">
+                <a14:useLocalDpi xmlns:a14="http://schemas.microsoft.com/office/drawing/2010/main" val="0"/>
+              </a:ext>
+            </a:extLst>
+          </a:blip>
+          <a:stretch>
+            <a:fillRect/>
+          </a:stretch>
+        </p:blipFill>
+        <p:spPr>
+          <a:xfrm>
+            <a:off x="2281752" y="4758248"/>
+            <a:ext cx="709355" cy="709355"/>
+          </a:xfrm>
+          <a:prstGeom prst="rect">
+            <a:avLst/>
+          </a:prstGeom>
+        </p:spPr>
+      </p:pic>
+      <p:sp>
+        <p:nvSpPr>
+          <p:cNvPr id="78" name="TextBox 77">
+            <a:extLst>
+              <a:ext uri="{FF2B5EF4-FFF2-40B4-BE49-F238E27FC236}">
+                <a16:creationId xmlns:a16="http://schemas.microsoft.com/office/drawing/2014/main" id="{9B3F85B7-DC28-4279-AC14-7D9896F6D863}"/>
+              </a:ext>
+            </a:extLst>
+          </p:cNvPr>
+          <p:cNvSpPr txBox="1"/>
+          <p:nvPr/>
+        </p:nvSpPr>
+        <p:spPr>
+          <a:xfrm>
+            <a:off x="3975631" y="5470584"/>
+            <a:ext cx="760657" cy="276999"/>
+          </a:xfrm>
+          <a:prstGeom prst="rect">
+            <a:avLst/>
+          </a:prstGeom>
+          <a:noFill/>
+        </p:spPr>
+        <p:txBody>
+          <a:bodyPr wrap="none" rtlCol="0">
+            <a:spAutoFit/>
+          </a:bodyPr>
+          <a:lstStyle/>
+          <a:p>
+            <a:pPr algn="ctr"/>
+            <a:r>
+              <a:rPr lang="en-US" sz="1200" dirty="0"/>
+              <a:t>Key Vault</a:t>
+            </a:r>
+          </a:p>
+        </p:txBody>
+      </p:sp>
+      <p:sp>
+        <p:nvSpPr>
+          <p:cNvPr id="79" name="TextBox 78">
+            <a:extLst>
+              <a:ext uri="{FF2B5EF4-FFF2-40B4-BE49-F238E27FC236}">
+                <a16:creationId xmlns:a16="http://schemas.microsoft.com/office/drawing/2014/main" id="{EFE20887-ACEE-4C12-B78C-D7429DA5F3C2}"/>
+              </a:ext>
+            </a:extLst>
+          </p:cNvPr>
+          <p:cNvSpPr txBox="1"/>
+          <p:nvPr/>
+        </p:nvSpPr>
+        <p:spPr>
+          <a:xfrm>
+            <a:off x="2127664" y="5476843"/>
+            <a:ext cx="999761" cy="276999"/>
+          </a:xfrm>
+          <a:prstGeom prst="rect">
+            <a:avLst/>
+          </a:prstGeom>
+          <a:noFill/>
+        </p:spPr>
+        <p:txBody>
+          <a:bodyPr wrap="none" rtlCol="0">
+            <a:spAutoFit/>
+          </a:bodyPr>
+          <a:lstStyle/>
+          <a:p>
+            <a:pPr algn="ctr"/>
+            <a:r>
+              <a:rPr lang="en-US" sz="1200" dirty="0"/>
+              <a:t>Log Analytics</a:t>
+            </a:r>
+          </a:p>
+        </p:txBody>
+      </p:sp>
+      <p:sp>
+        <p:nvSpPr>
+          <p:cNvPr id="80" name="TextBox 79">
+            <a:extLst>
+              <a:ext uri="{FF2B5EF4-FFF2-40B4-BE49-F238E27FC236}">
+                <a16:creationId xmlns:a16="http://schemas.microsoft.com/office/drawing/2014/main" id="{3E81A5AB-9CD9-483A-A8D5-20785B4520A7}"/>
+              </a:ext>
+            </a:extLst>
+          </p:cNvPr>
+          <p:cNvSpPr txBox="1"/>
+          <p:nvPr/>
+        </p:nvSpPr>
+        <p:spPr>
+          <a:xfrm>
+            <a:off x="2058256" y="4237858"/>
+            <a:ext cx="1138581" cy="276999"/>
+          </a:xfrm>
+          <a:prstGeom prst="rect">
+            <a:avLst/>
+          </a:prstGeom>
+          <a:noFill/>
+        </p:spPr>
+        <p:txBody>
+          <a:bodyPr wrap="none" rtlCol="0">
+            <a:spAutoFit/>
+          </a:bodyPr>
+          <a:lstStyle/>
+          <a:p>
+            <a:pPr algn="ctr"/>
+            <a:r>
+              <a:rPr lang="en-US" sz="1200" dirty="0"/>
+              <a:t>Security Center</a:t>
+            </a:r>
+          </a:p>
+        </p:txBody>
+      </p:sp>
+      <p:sp>
+        <p:nvSpPr>
+          <p:cNvPr id="32" name="TextBox 31">
+            <a:extLst>
+              <a:ext uri="{FF2B5EF4-FFF2-40B4-BE49-F238E27FC236}">
+                <a16:creationId xmlns:a16="http://schemas.microsoft.com/office/drawing/2014/main" id="{493FD7D3-9C89-426E-A722-288778E72CAB}"/>
+              </a:ext>
+            </a:extLst>
+          </p:cNvPr>
+          <p:cNvSpPr txBox="1"/>
+          <p:nvPr/>
+        </p:nvSpPr>
+        <p:spPr>
+          <a:xfrm>
+            <a:off x="8332514" y="5677845"/>
+            <a:ext cx="1102802" cy="276999"/>
+          </a:xfrm>
+          <a:prstGeom prst="rect">
+            <a:avLst/>
+          </a:prstGeom>
+          <a:noFill/>
+        </p:spPr>
+        <p:txBody>
+          <a:bodyPr wrap="none" rtlCol="0">
+            <a:spAutoFit/>
+          </a:bodyPr>
+          <a:lstStyle/>
+          <a:p>
+            <a:pPr algn="ctr"/>
+            <a:r>
+              <a:rPr lang="en-US" sz="1200" dirty="0"/>
+              <a:t>Default subnet</a:t>
+            </a:r>
+          </a:p>
+        </p:txBody>
+      </p:sp>
+    </p:spTree>
+    <p:extLst>
+      <p:ext uri="{BB962C8B-B14F-4D97-AF65-F5344CB8AC3E}">
+        <p14:creationId xmlns:p14="http://schemas.microsoft.com/office/powerpoint/2010/main" val="99505081"/>
+      </p:ext>
+    </p:extLst>
+  </p:cSld>
+  <p:clrMapOvr>
+    <a:masterClrMapping/>
+  </p:clrMapOvr>
+</p:sld>
+</file>
+
+<file path=ppt/slides/slide6.xml><?xml version="1.0" encoding="utf-8"?>
+<p:sld xmlns:a="http://schemas.openxmlformats.org/drawingml/2006/main" xmlns:r="http://schemas.openxmlformats.org/officeDocument/2006/relationships" xmlns:p="http://schemas.openxmlformats.org/presentationml/2006/main">
+  <p:cSld>
+    <p:spTree>
+      <p:nvGrpSpPr>
+        <p:cNvPr id="1" name=""/>
+        <p:cNvGrpSpPr/>
+        <p:nvPr/>
+      </p:nvGrpSpPr>
+      <p:grpSpPr>
+        <a:xfrm>
+          <a:off x="0" y="0"/>
+          <a:ext cx="0" cy="0"/>
+          <a:chOff x="0" y="0"/>
+          <a:chExt cx="0" cy="0"/>
+        </a:xfrm>
+      </p:grpSpPr>
+      <p:sp>
+        <p:nvSpPr>
+          <p:cNvPr id="4" name="Title 1">
+            <a:extLst>
+              <a:ext uri="{FF2B5EF4-FFF2-40B4-BE49-F238E27FC236}">
+                <a16:creationId xmlns:a16="http://schemas.microsoft.com/office/drawing/2014/main" id="{B7F9294A-D8ED-47D3-B105-DE9E2BBDF62E}"/>
+              </a:ext>
+            </a:extLst>
+          </p:cNvPr>
+          <p:cNvSpPr txBox="1">
+            <a:spLocks/>
+          </p:cNvSpPr>
+          <p:nvPr/>
+        </p:nvSpPr>
+        <p:spPr>
+          <a:xfrm>
+            <a:off x="312420" y="365128"/>
+            <a:ext cx="11567160" cy="418645"/>
+          </a:xfrm>
+          <a:prstGeom prst="rect">
+            <a:avLst/>
+          </a:prstGeom>
+        </p:spPr>
+        <p:txBody>
+          <a:bodyPr vert="horz" lIns="91440" tIns="45720" rIns="91440" bIns="45720" rtlCol="0" anchor="b">
+            <a:normAutofit fontScale="47500" lnSpcReduction="20000"/>
+          </a:bodyPr>
+          <a:lstStyle>
+            <a:lvl1pPr algn="ctr" defTabSz="914400" rtl="0" eaLnBrk="1" latinLnBrk="0" hangingPunct="1">
+              <a:lnSpc>
+                <a:spcPct val="90000"/>
+              </a:lnSpc>
+              <a:spcBef>
+                <a:spcPct val="0"/>
+              </a:spcBef>
+              <a:buNone/>
+              <a:defRPr sz="6000" kern="1200">
+                <a:solidFill>
+                  <a:schemeClr val="tx1"/>
+                </a:solidFill>
+                <a:latin typeface="+mj-lt"/>
+                <a:ea typeface="+mj-ea"/>
+                <a:cs typeface="+mj-cs"/>
+              </a:defRPr>
+            </a:lvl1pPr>
+          </a:lstStyle>
+          <a:p>
+            <a:r>
+              <a:rPr lang="en-US" dirty="0"/>
+              <a:t>Workshop Scenario</a:t>
+            </a:r>
+          </a:p>
+        </p:txBody>
+      </p:sp>
+      <p:sp>
+        <p:nvSpPr>
+          <p:cNvPr id="5" name="Content Placeholder 2">
+            <a:extLst>
+              <a:ext uri="{FF2B5EF4-FFF2-40B4-BE49-F238E27FC236}">
+                <a16:creationId xmlns:a16="http://schemas.microsoft.com/office/drawing/2014/main" id="{813E864E-9518-4A48-8E25-5E9DD2B8D9FA}"/>
+              </a:ext>
+            </a:extLst>
+          </p:cNvPr>
+          <p:cNvSpPr txBox="1">
+            <a:spLocks/>
+          </p:cNvSpPr>
+          <p:nvPr/>
+        </p:nvSpPr>
+        <p:spPr>
+          <a:xfrm>
+            <a:off x="312420" y="1212981"/>
+            <a:ext cx="11567160" cy="5197150"/>
+          </a:xfrm>
+          <a:prstGeom prst="rect">
+            <a:avLst/>
+          </a:prstGeom>
+          <a:ln>
+            <a:solidFill>
+              <a:schemeClr val="bg1">
+                <a:lumMod val="50000"/>
+              </a:schemeClr>
+            </a:solidFill>
+          </a:ln>
+        </p:spPr>
+        <p:txBody>
+          <a:bodyPr vert="horz" lIns="91440" tIns="45720" rIns="91440" bIns="45720" rtlCol="0">
+            <a:normAutofit/>
+          </a:bodyPr>
+          <a:lstStyle>
+            <a:lvl1pPr marL="0" indent="0" algn="ctr" defTabSz="914400" rtl="0" eaLnBrk="1" latinLnBrk="0" hangingPunct="1">
+              <a:lnSpc>
+                <a:spcPct val="90000"/>
+              </a:lnSpc>
+              <a:spcBef>
+                <a:spcPts val="1000"/>
+              </a:spcBef>
+              <a:buFont typeface="Arial" panose="020B0604020202020204" pitchFamily="34" charset="0"/>
+              <a:buNone/>
+              <a:defRPr sz="2400" kern="1200">
+                <a:solidFill>
+                  <a:schemeClr val="tx1"/>
+                </a:solidFill>
+                <a:latin typeface="+mn-lt"/>
+                <a:ea typeface="+mn-ea"/>
+                <a:cs typeface="+mn-cs"/>
+              </a:defRPr>
+            </a:lvl1pPr>
+            <a:lvl2pPr marL="457200" indent="0" algn="ctr" defTabSz="914400" rtl="0" eaLnBrk="1" latinLnBrk="0" hangingPunct="1">
+              <a:lnSpc>
+                <a:spcPct val="90000"/>
+              </a:lnSpc>
+              <a:spcBef>
+                <a:spcPts val="500"/>
+              </a:spcBef>
+              <a:buFont typeface="Arial" panose="020B0604020202020204" pitchFamily="34" charset="0"/>
+              <a:buNone/>
+              <a:defRPr sz="2000" kern="1200">
+                <a:solidFill>
+                  <a:schemeClr val="tx1"/>
+                </a:solidFill>
+                <a:latin typeface="+mn-lt"/>
+                <a:ea typeface="+mn-ea"/>
+                <a:cs typeface="+mn-cs"/>
+              </a:defRPr>
+            </a:lvl2pPr>
+            <a:lvl3pPr marL="914400" indent="0" algn="ctr" defTabSz="914400" rtl="0" eaLnBrk="1" latinLnBrk="0" hangingPunct="1">
+              <a:lnSpc>
+                <a:spcPct val="90000"/>
+              </a:lnSpc>
+              <a:spcBef>
+                <a:spcPts val="500"/>
+              </a:spcBef>
+              <a:buFont typeface="Arial" panose="020B0604020202020204" pitchFamily="34" charset="0"/>
+              <a:buNone/>
+              <a:defRPr sz="1800" kern="1200">
+                <a:solidFill>
+                  <a:schemeClr val="tx1"/>
+                </a:solidFill>
+                <a:latin typeface="+mn-lt"/>
+                <a:ea typeface="+mn-ea"/>
+                <a:cs typeface="+mn-cs"/>
+              </a:defRPr>
+            </a:lvl3pPr>
+            <a:lvl4pPr marL="1371600" indent="0" algn="ctr" defTabSz="914400" rtl="0" eaLnBrk="1" latinLnBrk="0" hangingPunct="1">
+              <a:lnSpc>
+                <a:spcPct val="90000"/>
+              </a:lnSpc>
+              <a:spcBef>
+                <a:spcPts val="500"/>
+              </a:spcBef>
+              <a:buFont typeface="Arial" panose="020B0604020202020204" pitchFamily="34" charset="0"/>
+              <a:buNone/>
+              <a:defRPr sz="1600" kern="1200">
+                <a:solidFill>
+                  <a:schemeClr val="tx1"/>
+                </a:solidFill>
+                <a:latin typeface="+mn-lt"/>
+                <a:ea typeface="+mn-ea"/>
+                <a:cs typeface="+mn-cs"/>
+              </a:defRPr>
+            </a:lvl4pPr>
+            <a:lvl5pPr marL="1828800" indent="0" algn="ctr" defTabSz="914400" rtl="0" eaLnBrk="1" latinLnBrk="0" hangingPunct="1">
+              <a:lnSpc>
+                <a:spcPct val="90000"/>
+              </a:lnSpc>
+              <a:spcBef>
+                <a:spcPts val="500"/>
+              </a:spcBef>
+              <a:buFont typeface="Arial" panose="020B0604020202020204" pitchFamily="34" charset="0"/>
+              <a:buNone/>
+              <a:defRPr sz="1600" kern="1200">
+                <a:solidFill>
+                  <a:schemeClr val="tx1"/>
+                </a:solidFill>
+                <a:latin typeface="+mn-lt"/>
+                <a:ea typeface="+mn-ea"/>
+                <a:cs typeface="+mn-cs"/>
+              </a:defRPr>
+            </a:lvl5pPr>
+            <a:lvl6pPr marL="2286000" indent="0" algn="ctr" defTabSz="914400" rtl="0" eaLnBrk="1" latinLnBrk="0" hangingPunct="1">
+              <a:lnSpc>
+                <a:spcPct val="90000"/>
+              </a:lnSpc>
+              <a:spcBef>
+                <a:spcPts val="500"/>
+              </a:spcBef>
+              <a:buFont typeface="Arial" panose="020B0604020202020204" pitchFamily="34" charset="0"/>
+              <a:buNone/>
+              <a:defRPr sz="1600" kern="1200">
+                <a:solidFill>
+                  <a:schemeClr val="tx1"/>
+                </a:solidFill>
+                <a:latin typeface="+mn-lt"/>
+                <a:ea typeface="+mn-ea"/>
+                <a:cs typeface="+mn-cs"/>
+              </a:defRPr>
+            </a:lvl6pPr>
+            <a:lvl7pPr marL="2743200" indent="0" algn="ctr" defTabSz="914400" rtl="0" eaLnBrk="1" latinLnBrk="0" hangingPunct="1">
+              <a:lnSpc>
+                <a:spcPct val="90000"/>
+              </a:lnSpc>
+              <a:spcBef>
+                <a:spcPts val="500"/>
+              </a:spcBef>
+              <a:buFont typeface="Arial" panose="020B0604020202020204" pitchFamily="34" charset="0"/>
+              <a:buNone/>
+              <a:defRPr sz="1600" kern="1200">
+                <a:solidFill>
+                  <a:schemeClr val="tx1"/>
+                </a:solidFill>
+                <a:latin typeface="+mn-lt"/>
+                <a:ea typeface="+mn-ea"/>
+                <a:cs typeface="+mn-cs"/>
+              </a:defRPr>
+            </a:lvl7pPr>
+            <a:lvl8pPr marL="3200400" indent="0" algn="ctr" defTabSz="914400" rtl="0" eaLnBrk="1" latinLnBrk="0" hangingPunct="1">
+              <a:lnSpc>
+                <a:spcPct val="90000"/>
+              </a:lnSpc>
+              <a:spcBef>
+                <a:spcPts val="500"/>
+              </a:spcBef>
+              <a:buFont typeface="Arial" panose="020B0604020202020204" pitchFamily="34" charset="0"/>
+              <a:buNone/>
+              <a:defRPr sz="1600" kern="1200">
+                <a:solidFill>
+                  <a:schemeClr val="tx1"/>
+                </a:solidFill>
+                <a:latin typeface="+mn-lt"/>
+                <a:ea typeface="+mn-ea"/>
+                <a:cs typeface="+mn-cs"/>
+              </a:defRPr>
+            </a:lvl8pPr>
+            <a:lvl9pPr marL="3657600" indent="0" algn="ctr" defTabSz="914400" rtl="0" eaLnBrk="1" latinLnBrk="0" hangingPunct="1">
+              <a:lnSpc>
+                <a:spcPct val="90000"/>
+              </a:lnSpc>
+              <a:spcBef>
+                <a:spcPts val="500"/>
+              </a:spcBef>
+              <a:buFont typeface="Arial" panose="020B0604020202020204" pitchFamily="34" charset="0"/>
+              <a:buNone/>
+              <a:defRPr sz="1600" kern="1200">
+                <a:solidFill>
+                  <a:schemeClr val="tx1"/>
+                </a:solidFill>
+                <a:latin typeface="+mn-lt"/>
+                <a:ea typeface="+mn-ea"/>
+                <a:cs typeface="+mn-cs"/>
+              </a:defRPr>
+            </a:lvl9pPr>
+          </a:lstStyle>
+          <a:p>
+            <a:r>
+              <a:rPr lang="en-US"/>
+              <a:t> </a:t>
+            </a:r>
+            <a:endParaRPr lang="en-US" dirty="0"/>
+          </a:p>
+        </p:txBody>
+      </p:sp>
+      <p:sp>
+        <p:nvSpPr>
+          <p:cNvPr id="6" name="Text Placeholder 3">
+            <a:extLst>
+              <a:ext uri="{FF2B5EF4-FFF2-40B4-BE49-F238E27FC236}">
+                <a16:creationId xmlns:a16="http://schemas.microsoft.com/office/drawing/2014/main" id="{915A66BC-6B0F-4EF8-B3A6-9E840F97A594}"/>
+              </a:ext>
+            </a:extLst>
+          </p:cNvPr>
+          <p:cNvSpPr txBox="1">
+            <a:spLocks/>
+          </p:cNvSpPr>
+          <p:nvPr/>
+        </p:nvSpPr>
+        <p:spPr>
+          <a:xfrm>
+            <a:off x="312418" y="783773"/>
+            <a:ext cx="11567160" cy="429208"/>
+          </a:xfrm>
+          <a:prstGeom prst="rect">
+            <a:avLst/>
+          </a:prstGeom>
+        </p:spPr>
+        <p:txBody>
+          <a:bodyPr vert="horz" lIns="91440" tIns="45720" rIns="91440" bIns="45720" rtlCol="0" anchor="ctr"/>
+          <a:lstStyle>
+            <a:defPPr>
+              <a:defRPr lang="en-US"/>
+            </a:defPPr>
+            <a:lvl1pPr marL="0" algn="l" defTabSz="914400" rtl="0" eaLnBrk="1" latinLnBrk="0" hangingPunct="1">
+              <a:defRPr sz="1200" kern="1200">
+                <a:solidFill>
+                  <a:schemeClr val="tx1">
+                    <a:tint val="75000"/>
+                  </a:schemeClr>
+                </a:solidFill>
+                <a:latin typeface="+mn-lt"/>
+                <a:ea typeface="+mn-ea"/>
+                <a:cs typeface="+mn-cs"/>
+              </a:defRPr>
+            </a:lvl1pPr>
+            <a:lvl2pPr marL="457200" algn="l" defTabSz="914400" rtl="0" eaLnBrk="1" latinLnBrk="0" hangingPunct="1">
+              <a:defRPr sz="1800" kern="1200">
+                <a:solidFill>
+                  <a:schemeClr val="tx1"/>
+                </a:solidFill>
+                <a:latin typeface="+mn-lt"/>
+                <a:ea typeface="+mn-ea"/>
+                <a:cs typeface="+mn-cs"/>
+              </a:defRPr>
+            </a:lvl2pPr>
+            <a:lvl3pPr marL="914400" algn="l" defTabSz="914400" rtl="0" eaLnBrk="1" latinLnBrk="0" hangingPunct="1">
+              <a:defRPr sz="1800" kern="1200">
+                <a:solidFill>
+                  <a:schemeClr val="tx1"/>
+                </a:solidFill>
+                <a:latin typeface="+mn-lt"/>
+                <a:ea typeface="+mn-ea"/>
+                <a:cs typeface="+mn-cs"/>
+              </a:defRPr>
+            </a:lvl3pPr>
+            <a:lvl4pPr marL="1371600" algn="l" defTabSz="914400" rtl="0" eaLnBrk="1" latinLnBrk="0" hangingPunct="1">
+              <a:defRPr sz="1800" kern="1200">
+                <a:solidFill>
+                  <a:schemeClr val="tx1"/>
+                </a:solidFill>
+                <a:latin typeface="+mn-lt"/>
+                <a:ea typeface="+mn-ea"/>
+                <a:cs typeface="+mn-cs"/>
+              </a:defRPr>
+            </a:lvl4pPr>
+            <a:lvl5pPr marL="1828800" algn="l" defTabSz="914400" rtl="0" eaLnBrk="1" latinLnBrk="0" hangingPunct="1">
+              <a:defRPr sz="1800" kern="1200">
+                <a:solidFill>
+                  <a:schemeClr val="tx1"/>
+                </a:solidFill>
+                <a:latin typeface="+mn-lt"/>
+                <a:ea typeface="+mn-ea"/>
+                <a:cs typeface="+mn-cs"/>
+              </a:defRPr>
+            </a:lvl5pPr>
+            <a:lvl6pPr marL="2286000" algn="l" defTabSz="914400" rtl="0" eaLnBrk="1" latinLnBrk="0" hangingPunct="1">
+              <a:defRPr sz="1800" kern="1200">
+                <a:solidFill>
+                  <a:schemeClr val="tx1"/>
+                </a:solidFill>
+                <a:latin typeface="+mn-lt"/>
+                <a:ea typeface="+mn-ea"/>
+                <a:cs typeface="+mn-cs"/>
+              </a:defRPr>
+            </a:lvl6pPr>
+            <a:lvl7pPr marL="2743200" algn="l" defTabSz="914400" rtl="0" eaLnBrk="1" latinLnBrk="0" hangingPunct="1">
+              <a:defRPr sz="1800" kern="1200">
+                <a:solidFill>
+                  <a:schemeClr val="tx1"/>
+                </a:solidFill>
+                <a:latin typeface="+mn-lt"/>
+                <a:ea typeface="+mn-ea"/>
+                <a:cs typeface="+mn-cs"/>
+              </a:defRPr>
+            </a:lvl7pPr>
+            <a:lvl8pPr marL="3200400" algn="l" defTabSz="914400" rtl="0" eaLnBrk="1" latinLnBrk="0" hangingPunct="1">
+              <a:defRPr sz="1800" kern="1200">
+                <a:solidFill>
+                  <a:schemeClr val="tx1"/>
+                </a:solidFill>
+                <a:latin typeface="+mn-lt"/>
+                <a:ea typeface="+mn-ea"/>
+                <a:cs typeface="+mn-cs"/>
+              </a:defRPr>
+            </a:lvl8pPr>
+            <a:lvl9pPr marL="3657600" algn="l" defTabSz="914400" rtl="0" eaLnBrk="1" latinLnBrk="0" hangingPunct="1">
+              <a:defRPr sz="1800" kern="1200">
+                <a:solidFill>
+                  <a:schemeClr val="tx1"/>
+                </a:solidFill>
+                <a:latin typeface="+mn-lt"/>
+                <a:ea typeface="+mn-ea"/>
+                <a:cs typeface="+mn-cs"/>
+              </a:defRPr>
+            </a:lvl9pPr>
+          </a:lstStyle>
+          <a:p>
+            <a:endParaRPr lang="en-US" altLang="en-US" dirty="0"/>
+          </a:p>
+        </p:txBody>
+      </p:sp>
+      <p:sp>
+        <p:nvSpPr>
+          <p:cNvPr id="8" name="Rectangle: Rounded Corners 7">
+            <a:extLst>
+              <a:ext uri="{FF2B5EF4-FFF2-40B4-BE49-F238E27FC236}">
+                <a16:creationId xmlns:a16="http://schemas.microsoft.com/office/drawing/2014/main" id="{F672F36E-4524-489C-83F3-85F499A129C8}"/>
+              </a:ext>
+            </a:extLst>
+          </p:cNvPr>
+          <p:cNvSpPr/>
+          <p:nvPr/>
+        </p:nvSpPr>
+        <p:spPr>
+          <a:xfrm>
+            <a:off x="5281150" y="2848456"/>
+            <a:ext cx="5404312" cy="3288616"/>
+          </a:xfrm>
+          <a:prstGeom prst="roundRect">
+            <a:avLst>
+              <a:gd name="adj" fmla="val 0"/>
+            </a:avLst>
+          </a:prstGeom>
+          <a:solidFill>
+            <a:schemeClr val="tx2">
+              <a:lumMod val="20000"/>
+              <a:lumOff val="80000"/>
+            </a:schemeClr>
+          </a:solidFill>
+          <a:ln w="12700">
+            <a:noFill/>
+            <a:prstDash val="solid"/>
+          </a:ln>
+        </p:spPr>
+        <p:style>
+          <a:lnRef idx="2">
+            <a:schemeClr val="accent1">
+              <a:shade val="50000"/>
+            </a:schemeClr>
+          </a:lnRef>
+          <a:fillRef idx="1">
+            <a:schemeClr val="accent1"/>
+          </a:fillRef>
+          <a:effectRef idx="0">
+            <a:schemeClr val="accent1"/>
+          </a:effectRef>
+          <a:fontRef idx="minor">
+            <a:schemeClr val="lt1"/>
+          </a:fontRef>
+        </p:style>
+        <p:txBody>
+          <a:bodyPr rtlCol="0" anchor="ctr"/>
+          <a:lstStyle/>
+          <a:p>
+            <a:pPr algn="ctr"/>
+            <a:endParaRPr lang="en-US"/>
+          </a:p>
+        </p:txBody>
+      </p:sp>
+      <p:sp>
+        <p:nvSpPr>
+          <p:cNvPr id="10" name="Rectangle: Rounded Corners 9">
+            <a:extLst>
+              <a:ext uri="{FF2B5EF4-FFF2-40B4-BE49-F238E27FC236}">
+                <a16:creationId xmlns:a16="http://schemas.microsoft.com/office/drawing/2014/main" id="{65B72864-7055-4127-BED0-DB508A2909C7}"/>
+              </a:ext>
+            </a:extLst>
+          </p:cNvPr>
+          <p:cNvSpPr/>
+          <p:nvPr/>
+        </p:nvSpPr>
+        <p:spPr>
+          <a:xfrm>
+            <a:off x="7173600" y="3048000"/>
+            <a:ext cx="3420630" cy="2933715"/>
+          </a:xfrm>
+          <a:prstGeom prst="roundRect">
+            <a:avLst>
+              <a:gd name="adj" fmla="val 8127"/>
+            </a:avLst>
+          </a:prstGeom>
+          <a:solidFill>
+            <a:schemeClr val="accent1">
+              <a:lumMod val="40000"/>
+              <a:lumOff val="60000"/>
+            </a:schemeClr>
+          </a:solidFill>
+          <a:ln w="12700">
+            <a:noFill/>
+            <a:prstDash val="solid"/>
+          </a:ln>
+        </p:spPr>
+        <p:style>
+          <a:lnRef idx="2">
+            <a:schemeClr val="accent1">
+              <a:shade val="50000"/>
+            </a:schemeClr>
+          </a:lnRef>
+          <a:fillRef idx="1">
+            <a:schemeClr val="accent1"/>
+          </a:fillRef>
+          <a:effectRef idx="0">
+            <a:schemeClr val="accent1"/>
+          </a:effectRef>
+          <a:fontRef idx="minor">
+            <a:schemeClr val="lt1"/>
+          </a:fontRef>
+        </p:style>
+        <p:txBody>
+          <a:bodyPr rtlCol="0" anchor="ctr"/>
+          <a:lstStyle/>
+          <a:p>
+            <a:pPr algn="ctr"/>
+            <a:endParaRPr lang="en-US"/>
+          </a:p>
+        </p:txBody>
+      </p:sp>
+      <p:pic>
+        <p:nvPicPr>
+          <p:cNvPr id="11" name="Picture 10">
+            <a:extLst>
+              <a:ext uri="{FF2B5EF4-FFF2-40B4-BE49-F238E27FC236}">
+                <a16:creationId xmlns:a16="http://schemas.microsoft.com/office/drawing/2014/main" id="{A15CF211-16AB-479E-818F-A14DA350C8E4}"/>
+              </a:ext>
+            </a:extLst>
+          </p:cNvPr>
+          <p:cNvPicPr>
+            <a:picLocks noChangeAspect="1"/>
+          </p:cNvPicPr>
+          <p:nvPr/>
+        </p:nvPicPr>
+        <p:blipFill>
+          <a:blip r:embed="rId3">
+            <a:extLst>
+              <a:ext uri="{28A0092B-C50C-407E-A947-70E740481C1C}">
+                <a14:useLocalDpi xmlns:a14="http://schemas.microsoft.com/office/drawing/2010/main" val="0"/>
+              </a:ext>
+            </a:extLst>
+          </a:blip>
+          <a:stretch>
+            <a:fillRect/>
+          </a:stretch>
+        </p:blipFill>
+        <p:spPr>
+          <a:xfrm>
+            <a:off x="3814947" y="1996689"/>
+            <a:ext cx="780290" cy="780290"/>
+          </a:xfrm>
+          <a:prstGeom prst="rect">
+            <a:avLst/>
+          </a:prstGeom>
+        </p:spPr>
+      </p:pic>
+      <p:pic>
+        <p:nvPicPr>
+          <p:cNvPr id="12" name="Picture 11">
+            <a:extLst>
+              <a:ext uri="{FF2B5EF4-FFF2-40B4-BE49-F238E27FC236}">
+                <a16:creationId xmlns:a16="http://schemas.microsoft.com/office/drawing/2014/main" id="{09960939-7213-4844-868A-C0094CFAB477}"/>
+              </a:ext>
+            </a:extLst>
+          </p:cNvPr>
+          <p:cNvPicPr>
+            <a:picLocks noChangeAspect="1"/>
+          </p:cNvPicPr>
+          <p:nvPr/>
+        </p:nvPicPr>
+        <p:blipFill>
+          <a:blip r:embed="rId4">
+            <a:extLst>
+              <a:ext uri="{28A0092B-C50C-407E-A947-70E740481C1C}">
+                <a14:useLocalDpi xmlns:a14="http://schemas.microsoft.com/office/drawing/2010/main" val="0"/>
+              </a:ext>
+            </a:extLst>
+          </a:blip>
+          <a:stretch>
+            <a:fillRect/>
+          </a:stretch>
+        </p:blipFill>
+        <p:spPr>
+          <a:xfrm>
+            <a:off x="1203932" y="1182767"/>
+            <a:ext cx="780290" cy="780290"/>
+          </a:xfrm>
+          <a:prstGeom prst="rect">
+            <a:avLst/>
+          </a:prstGeom>
+        </p:spPr>
+      </p:pic>
+      <p:pic>
+        <p:nvPicPr>
+          <p:cNvPr id="15" name="Picture 14">
+            <a:extLst>
+              <a:ext uri="{FF2B5EF4-FFF2-40B4-BE49-F238E27FC236}">
+                <a16:creationId xmlns:a16="http://schemas.microsoft.com/office/drawing/2014/main" id="{7DA49C2B-1848-410F-98C2-9D5A78A35411}"/>
+              </a:ext>
+            </a:extLst>
+          </p:cNvPr>
+          <p:cNvPicPr>
+            <a:picLocks noChangeAspect="1"/>
+          </p:cNvPicPr>
+          <p:nvPr/>
+        </p:nvPicPr>
+        <p:blipFill>
+          <a:blip r:embed="rId5">
+            <a:extLst>
+              <a:ext uri="{28A0092B-C50C-407E-A947-70E740481C1C}">
+                <a14:useLocalDpi xmlns:a14="http://schemas.microsoft.com/office/drawing/2010/main" val="0"/>
+              </a:ext>
+            </a:extLst>
+          </a:blip>
+          <a:stretch>
+            <a:fillRect/>
+          </a:stretch>
+        </p:blipFill>
+        <p:spPr>
+          <a:xfrm>
+            <a:off x="6393310" y="5206100"/>
+            <a:ext cx="780290" cy="780290"/>
+          </a:xfrm>
+          <a:prstGeom prst="rect">
+            <a:avLst/>
+          </a:prstGeom>
+        </p:spPr>
+      </p:pic>
+      <p:sp>
+        <p:nvSpPr>
+          <p:cNvPr id="24" name="Rectangle 23">
+            <a:extLst>
+              <a:ext uri="{FF2B5EF4-FFF2-40B4-BE49-F238E27FC236}">
+                <a16:creationId xmlns:a16="http://schemas.microsoft.com/office/drawing/2014/main" id="{846ACFCA-5DCD-4317-A84D-8210B731D2FB}"/>
+              </a:ext>
+            </a:extLst>
+          </p:cNvPr>
+          <p:cNvSpPr/>
+          <p:nvPr/>
+        </p:nvSpPr>
+        <p:spPr>
+          <a:xfrm>
+            <a:off x="1573635" y="1894585"/>
+            <a:ext cx="9414433" cy="4428834"/>
+          </a:xfrm>
+          <a:prstGeom prst="rect">
+            <a:avLst/>
+          </a:prstGeom>
+          <a:noFill/>
+          <a:ln>
+            <a:solidFill>
+              <a:schemeClr val="bg1">
+                <a:lumMod val="65000"/>
+              </a:schemeClr>
+            </a:solidFill>
+          </a:ln>
+        </p:spPr>
+        <p:style>
+          <a:lnRef idx="2">
+            <a:schemeClr val="accent1">
+              <a:shade val="50000"/>
+            </a:schemeClr>
+          </a:lnRef>
+          <a:fillRef idx="1">
+            <a:schemeClr val="accent1"/>
+          </a:fillRef>
+          <a:effectRef idx="0">
+            <a:schemeClr val="accent1"/>
+          </a:effectRef>
+          <a:fontRef idx="minor">
+            <a:schemeClr val="lt1"/>
+          </a:fontRef>
+        </p:style>
+        <p:txBody>
+          <a:bodyPr rtlCol="0" anchor="ctr"/>
+          <a:lstStyle/>
+          <a:p>
+            <a:pPr algn="ctr"/>
+            <a:endParaRPr lang="en-US"/>
+          </a:p>
+        </p:txBody>
+      </p:sp>
+      <p:sp>
+        <p:nvSpPr>
+          <p:cNvPr id="25" name="TextBox 24">
+            <a:extLst>
+              <a:ext uri="{FF2B5EF4-FFF2-40B4-BE49-F238E27FC236}">
+                <a16:creationId xmlns:a16="http://schemas.microsoft.com/office/drawing/2014/main" id="{E3DBB654-E082-4466-93A5-A6831444683D}"/>
+              </a:ext>
+            </a:extLst>
+          </p:cNvPr>
+          <p:cNvSpPr txBox="1"/>
+          <p:nvPr/>
+        </p:nvSpPr>
+        <p:spPr>
+          <a:xfrm>
+            <a:off x="1990034" y="1578939"/>
+            <a:ext cx="1292790" cy="276999"/>
+          </a:xfrm>
+          <a:prstGeom prst="rect">
+            <a:avLst/>
+          </a:prstGeom>
+          <a:noFill/>
+        </p:spPr>
+        <p:txBody>
+          <a:bodyPr wrap="none" rtlCol="0">
+            <a:spAutoFit/>
+          </a:bodyPr>
+          <a:lstStyle/>
+          <a:p>
+            <a:r>
+              <a:rPr lang="en-US" sz="1200" dirty="0"/>
+              <a:t>Microsoft Azure</a:t>
+            </a:r>
+          </a:p>
+        </p:txBody>
+      </p:sp>
+      <p:sp>
+        <p:nvSpPr>
+          <p:cNvPr id="26" name="Rectangle 25">
+            <a:extLst>
+              <a:ext uri="{FF2B5EF4-FFF2-40B4-BE49-F238E27FC236}">
+                <a16:creationId xmlns:a16="http://schemas.microsoft.com/office/drawing/2014/main" id="{2ED24DA8-0B90-422A-96C5-FE4A9172C91C}"/>
+              </a:ext>
+            </a:extLst>
+          </p:cNvPr>
+          <p:cNvSpPr/>
+          <p:nvPr/>
+        </p:nvSpPr>
+        <p:spPr>
+          <a:xfrm>
+            <a:off x="3519055" y="2776979"/>
+            <a:ext cx="7269166" cy="3430092"/>
+          </a:xfrm>
+          <a:prstGeom prst="rect">
+            <a:avLst/>
+          </a:prstGeom>
+          <a:noFill/>
+          <a:ln>
+            <a:solidFill>
+              <a:schemeClr val="bg1">
+                <a:lumMod val="65000"/>
+              </a:schemeClr>
+            </a:solidFill>
+          </a:ln>
+        </p:spPr>
+        <p:style>
+          <a:lnRef idx="2">
+            <a:schemeClr val="accent1">
+              <a:shade val="50000"/>
+            </a:schemeClr>
+          </a:lnRef>
+          <a:fillRef idx="1">
+            <a:schemeClr val="accent1"/>
+          </a:fillRef>
+          <a:effectRef idx="0">
+            <a:schemeClr val="accent1"/>
+          </a:effectRef>
+          <a:fontRef idx="minor">
+            <a:schemeClr val="lt1"/>
+          </a:fontRef>
+        </p:style>
+        <p:txBody>
+          <a:bodyPr rtlCol="0" anchor="ctr"/>
+          <a:lstStyle/>
+          <a:p>
+            <a:pPr algn="ctr"/>
+            <a:endParaRPr lang="en-US"/>
+          </a:p>
+        </p:txBody>
+      </p:sp>
+      <p:sp>
+        <p:nvSpPr>
+          <p:cNvPr id="31" name="TextBox 30">
+            <a:extLst>
+              <a:ext uri="{FF2B5EF4-FFF2-40B4-BE49-F238E27FC236}">
+                <a16:creationId xmlns:a16="http://schemas.microsoft.com/office/drawing/2014/main" id="{E744AF35-BDCE-4E54-B37D-61DB0056C5AA}"/>
+              </a:ext>
+            </a:extLst>
+          </p:cNvPr>
+          <p:cNvSpPr txBox="1"/>
+          <p:nvPr/>
+        </p:nvSpPr>
+        <p:spPr>
+          <a:xfrm>
+            <a:off x="4706928" y="2427959"/>
+            <a:ext cx="1302536" cy="276999"/>
+          </a:xfrm>
+          <a:prstGeom prst="rect">
+            <a:avLst/>
+          </a:prstGeom>
+          <a:noFill/>
+        </p:spPr>
+        <p:txBody>
+          <a:bodyPr wrap="none" rtlCol="0">
+            <a:spAutoFit/>
+          </a:bodyPr>
+          <a:lstStyle/>
+          <a:p>
+            <a:r>
+              <a:rPr lang="en-US" sz="1200" dirty="0"/>
+              <a:t>Resource Group</a:t>
+            </a:r>
+          </a:p>
+        </p:txBody>
+      </p:sp>
+      <p:cxnSp>
+        <p:nvCxnSpPr>
+          <p:cNvPr id="36" name="Straight Connector 35">
+            <a:extLst>
+              <a:ext uri="{FF2B5EF4-FFF2-40B4-BE49-F238E27FC236}">
+                <a16:creationId xmlns:a16="http://schemas.microsoft.com/office/drawing/2014/main" id="{2191D965-E916-49BB-B1C4-E957F0545097}"/>
+              </a:ext>
+            </a:extLst>
+          </p:cNvPr>
+          <p:cNvCxnSpPr>
+            <a:cxnSpLocks/>
+            <a:stCxn id="15" idx="3"/>
+          </p:cNvCxnSpPr>
+          <p:nvPr/>
+        </p:nvCxnSpPr>
+        <p:spPr>
+          <a:xfrm>
+            <a:off x="7173600" y="5596245"/>
+            <a:ext cx="3346083" cy="0"/>
+          </a:xfrm>
+          <a:prstGeom prst="line">
+            <a:avLst/>
+          </a:prstGeom>
+          <a:ln w="38100">
+            <a:solidFill>
+              <a:schemeClr val="accent1"/>
+            </a:solidFill>
+          </a:ln>
+        </p:spPr>
+        <p:style>
+          <a:lnRef idx="1">
+            <a:schemeClr val="accent1"/>
+          </a:lnRef>
+          <a:fillRef idx="0">
+            <a:schemeClr val="accent1"/>
+          </a:fillRef>
+          <a:effectRef idx="0">
+            <a:schemeClr val="accent1"/>
+          </a:effectRef>
+          <a:fontRef idx="minor">
+            <a:schemeClr val="tx1"/>
+          </a:fontRef>
+        </p:style>
+      </p:cxnSp>
+      <p:sp>
+        <p:nvSpPr>
+          <p:cNvPr id="40" name="TextBox 39">
+            <a:extLst>
+              <a:ext uri="{FF2B5EF4-FFF2-40B4-BE49-F238E27FC236}">
+                <a16:creationId xmlns:a16="http://schemas.microsoft.com/office/drawing/2014/main" id="{118B6DFB-2F82-4EF8-BAC3-FD2D6F1FC9F0}"/>
+              </a:ext>
+            </a:extLst>
+          </p:cNvPr>
+          <p:cNvSpPr txBox="1"/>
+          <p:nvPr/>
+        </p:nvSpPr>
+        <p:spPr>
+          <a:xfrm>
+            <a:off x="6180891" y="5821925"/>
+            <a:ext cx="1176284" cy="276999"/>
+          </a:xfrm>
+          <a:prstGeom prst="rect">
+            <a:avLst/>
+          </a:prstGeom>
+          <a:noFill/>
+        </p:spPr>
+        <p:txBody>
+          <a:bodyPr wrap="none" rtlCol="0">
+            <a:spAutoFit/>
+          </a:bodyPr>
+          <a:lstStyle/>
+          <a:p>
+            <a:pPr algn="ctr"/>
+            <a:r>
+              <a:rPr lang="en-US" sz="1200" dirty="0"/>
+              <a:t>Virtual Network</a:t>
+            </a:r>
+          </a:p>
+        </p:txBody>
+      </p:sp>
       <p:grpSp>
         <p:nvGrpSpPr>
           <p:cNvPr id="71" name="Group 70">
@@ -10132,6 +11325,78 @@
           </a:p>
         </p:txBody>
       </p:sp>
+      <p:pic>
+        <p:nvPicPr>
+          <p:cNvPr id="27" name="Picture 26">
+            <a:extLst>
+              <a:ext uri="{FF2B5EF4-FFF2-40B4-BE49-F238E27FC236}">
+                <a16:creationId xmlns:a16="http://schemas.microsoft.com/office/drawing/2014/main" id="{282E37DF-5807-457C-A27F-8422B82E0F64}"/>
+              </a:ext>
+            </a:extLst>
+          </p:cNvPr>
+          <p:cNvPicPr>
+            <a:picLocks noChangeAspect="1"/>
+          </p:cNvPicPr>
+          <p:nvPr/>
+        </p:nvPicPr>
+        <p:blipFill>
+          <a:blip r:embed="rId10">
+            <a:extLst>
+              <a:ext uri="{28A0092B-C50C-407E-A947-70E740481C1C}">
+                <a14:useLocalDpi xmlns:a14="http://schemas.microsoft.com/office/drawing/2010/main" val="0"/>
+              </a:ext>
+            </a:extLst>
+          </a:blip>
+          <a:stretch>
+            <a:fillRect/>
+          </a:stretch>
+        </p:blipFill>
+        <p:spPr>
+          <a:xfrm>
+            <a:off x="3965814" y="4659789"/>
+            <a:ext cx="780290" cy="780290"/>
+          </a:xfrm>
+          <a:prstGeom prst="rect">
+            <a:avLst/>
+          </a:prstGeom>
+        </p:spPr>
+      </p:pic>
+      <p:sp>
+        <p:nvSpPr>
+          <p:cNvPr id="29" name="TextBox 28">
+            <a:extLst>
+              <a:ext uri="{FF2B5EF4-FFF2-40B4-BE49-F238E27FC236}">
+                <a16:creationId xmlns:a16="http://schemas.microsoft.com/office/drawing/2014/main" id="{17DE68B6-54F5-45DC-BBEC-9F811D0440D6}"/>
+              </a:ext>
+            </a:extLst>
+          </p:cNvPr>
+          <p:cNvSpPr txBox="1"/>
+          <p:nvPr/>
+        </p:nvSpPr>
+        <p:spPr>
+          <a:xfrm>
+            <a:off x="3975631" y="5470584"/>
+            <a:ext cx="760657" cy="276999"/>
+          </a:xfrm>
+          <a:prstGeom prst="rect">
+            <a:avLst/>
+          </a:prstGeom>
+          <a:noFill/>
+        </p:spPr>
+        <p:txBody>
+          <a:bodyPr wrap="none" rtlCol="0">
+            <a:spAutoFit/>
+          </a:bodyPr>
+          <a:lstStyle/>
+          <a:p>
+            <a:pPr algn="ctr"/>
+            <a:r>
+              <a:rPr lang="en-US" sz="1200" dirty="0"/>
+              <a:t>Key Vault</a:t>
+            </a:r>
+          </a:p>
+        </p:txBody>
+      </p:sp>
     </p:spTree>
     <p:extLst>
       <p:ext uri="{BB962C8B-B14F-4D97-AF65-F5344CB8AC3E}">
@@ -10145,7 +11410,7 @@
 </p:sld>
 </file>
 
-<file path=ppt/slides/slide6.xml><?xml version="1.0" encoding="utf-8"?>
+<file path=ppt/slides/slide7.xml><?xml version="1.0" encoding="utf-8"?>
 <p:sld xmlns:a="http://schemas.openxmlformats.org/drawingml/2006/main" xmlns:r="http://schemas.openxmlformats.org/officeDocument/2006/relationships" xmlns:p="http://schemas.openxmlformats.org/presentationml/2006/main">
   <p:cSld>
     <p:spTree>
@@ -11459,1401 +12724,6 @@
     <p:extLst>
       <p:ext uri="{BB962C8B-B14F-4D97-AF65-F5344CB8AC3E}">
         <p14:creationId xmlns:p14="http://schemas.microsoft.com/office/powerpoint/2010/main" val="1192460738"/>
-      </p:ext>
-    </p:extLst>
-  </p:cSld>
-  <p:clrMapOvr>
-    <a:masterClrMapping/>
-  </p:clrMapOvr>
-</p:sld>
-</file>
-
-<file path=ppt/slides/slide7.xml><?xml version="1.0" encoding="utf-8"?>
-<p:sld xmlns:a="http://schemas.openxmlformats.org/drawingml/2006/main" xmlns:r="http://schemas.openxmlformats.org/officeDocument/2006/relationships" xmlns:p="http://schemas.openxmlformats.org/presentationml/2006/main">
-  <p:cSld>
-    <p:spTree>
-      <p:nvGrpSpPr>
-        <p:cNvPr id="1" name=""/>
-        <p:cNvGrpSpPr/>
-        <p:nvPr/>
-      </p:nvGrpSpPr>
-      <p:grpSpPr>
-        <a:xfrm>
-          <a:off x="0" y="0"/>
-          <a:ext cx="0" cy="0"/>
-          <a:chOff x="0" y="0"/>
-          <a:chExt cx="0" cy="0"/>
-        </a:xfrm>
-      </p:grpSpPr>
-      <p:sp>
-        <p:nvSpPr>
-          <p:cNvPr id="4" name="Title 1">
-            <a:extLst>
-              <a:ext uri="{FF2B5EF4-FFF2-40B4-BE49-F238E27FC236}">
-                <a16:creationId xmlns:a16="http://schemas.microsoft.com/office/drawing/2014/main" id="{B7F9294A-D8ED-47D3-B105-DE9E2BBDF62E}"/>
-              </a:ext>
-            </a:extLst>
-          </p:cNvPr>
-          <p:cNvSpPr txBox="1">
-            <a:spLocks/>
-          </p:cNvSpPr>
-          <p:nvPr/>
-        </p:nvSpPr>
-        <p:spPr>
-          <a:xfrm>
-            <a:off x="312420" y="365128"/>
-            <a:ext cx="11567160" cy="418645"/>
-          </a:xfrm>
-          <a:prstGeom prst="rect">
-            <a:avLst/>
-          </a:prstGeom>
-        </p:spPr>
-        <p:txBody>
-          <a:bodyPr vert="horz" lIns="91440" tIns="45720" rIns="91440" bIns="45720" rtlCol="0" anchor="b">
-            <a:normAutofit fontScale="47500" lnSpcReduction="20000"/>
-          </a:bodyPr>
-          <a:lstStyle>
-            <a:lvl1pPr algn="ctr" defTabSz="914400" rtl="0" eaLnBrk="1" latinLnBrk="0" hangingPunct="1">
-              <a:lnSpc>
-                <a:spcPct val="90000"/>
-              </a:lnSpc>
-              <a:spcBef>
-                <a:spcPct val="0"/>
-              </a:spcBef>
-              <a:buNone/>
-              <a:defRPr sz="6000" kern="1200">
-                <a:solidFill>
-                  <a:schemeClr val="tx1"/>
-                </a:solidFill>
-                <a:latin typeface="+mj-lt"/>
-                <a:ea typeface="+mj-ea"/>
-                <a:cs typeface="+mj-cs"/>
-              </a:defRPr>
-            </a:lvl1pPr>
-          </a:lstStyle>
-          <a:p>
-            <a:r>
-              <a:rPr lang="en-US" dirty="0"/>
-              <a:t>Workshop Scenario</a:t>
-            </a:r>
-          </a:p>
-        </p:txBody>
-      </p:sp>
-      <p:sp>
-        <p:nvSpPr>
-          <p:cNvPr id="5" name="Content Placeholder 2">
-            <a:extLst>
-              <a:ext uri="{FF2B5EF4-FFF2-40B4-BE49-F238E27FC236}">
-                <a16:creationId xmlns:a16="http://schemas.microsoft.com/office/drawing/2014/main" id="{813E864E-9518-4A48-8E25-5E9DD2B8D9FA}"/>
-              </a:ext>
-            </a:extLst>
-          </p:cNvPr>
-          <p:cNvSpPr txBox="1">
-            <a:spLocks/>
-          </p:cNvSpPr>
-          <p:nvPr/>
-        </p:nvSpPr>
-        <p:spPr>
-          <a:xfrm>
-            <a:off x="312420" y="1212981"/>
-            <a:ext cx="11567160" cy="5197150"/>
-          </a:xfrm>
-          <a:prstGeom prst="rect">
-            <a:avLst/>
-          </a:prstGeom>
-          <a:ln>
-            <a:solidFill>
-              <a:schemeClr val="bg1">
-                <a:lumMod val="50000"/>
-              </a:schemeClr>
-            </a:solidFill>
-          </a:ln>
-        </p:spPr>
-        <p:txBody>
-          <a:bodyPr vert="horz" lIns="91440" tIns="45720" rIns="91440" bIns="45720" rtlCol="0">
-            <a:normAutofit/>
-          </a:bodyPr>
-          <a:lstStyle>
-            <a:lvl1pPr marL="0" indent="0" algn="ctr" defTabSz="914400" rtl="0" eaLnBrk="1" latinLnBrk="0" hangingPunct="1">
-              <a:lnSpc>
-                <a:spcPct val="90000"/>
-              </a:lnSpc>
-              <a:spcBef>
-                <a:spcPts val="1000"/>
-              </a:spcBef>
-              <a:buFont typeface="Arial" panose="020B0604020202020204" pitchFamily="34" charset="0"/>
-              <a:buNone/>
-              <a:defRPr sz="2400" kern="1200">
-                <a:solidFill>
-                  <a:schemeClr val="tx1"/>
-                </a:solidFill>
-                <a:latin typeface="+mn-lt"/>
-                <a:ea typeface="+mn-ea"/>
-                <a:cs typeface="+mn-cs"/>
-              </a:defRPr>
-            </a:lvl1pPr>
-            <a:lvl2pPr marL="457200" indent="0" algn="ctr" defTabSz="914400" rtl="0" eaLnBrk="1" latinLnBrk="0" hangingPunct="1">
-              <a:lnSpc>
-                <a:spcPct val="90000"/>
-              </a:lnSpc>
-              <a:spcBef>
-                <a:spcPts val="500"/>
-              </a:spcBef>
-              <a:buFont typeface="Arial" panose="020B0604020202020204" pitchFamily="34" charset="0"/>
-              <a:buNone/>
-              <a:defRPr sz="2000" kern="1200">
-                <a:solidFill>
-                  <a:schemeClr val="tx1"/>
-                </a:solidFill>
-                <a:latin typeface="+mn-lt"/>
-                <a:ea typeface="+mn-ea"/>
-                <a:cs typeface="+mn-cs"/>
-              </a:defRPr>
-            </a:lvl2pPr>
-            <a:lvl3pPr marL="914400" indent="0" algn="ctr" defTabSz="914400" rtl="0" eaLnBrk="1" latinLnBrk="0" hangingPunct="1">
-              <a:lnSpc>
-                <a:spcPct val="90000"/>
-              </a:lnSpc>
-              <a:spcBef>
-                <a:spcPts val="500"/>
-              </a:spcBef>
-              <a:buFont typeface="Arial" panose="020B0604020202020204" pitchFamily="34" charset="0"/>
-              <a:buNone/>
-              <a:defRPr sz="1800" kern="1200">
-                <a:solidFill>
-                  <a:schemeClr val="tx1"/>
-                </a:solidFill>
-                <a:latin typeface="+mn-lt"/>
-                <a:ea typeface="+mn-ea"/>
-                <a:cs typeface="+mn-cs"/>
-              </a:defRPr>
-            </a:lvl3pPr>
-            <a:lvl4pPr marL="1371600" indent="0" algn="ctr" defTabSz="914400" rtl="0" eaLnBrk="1" latinLnBrk="0" hangingPunct="1">
-              <a:lnSpc>
-                <a:spcPct val="90000"/>
-              </a:lnSpc>
-              <a:spcBef>
-                <a:spcPts val="500"/>
-              </a:spcBef>
-              <a:buFont typeface="Arial" panose="020B0604020202020204" pitchFamily="34" charset="0"/>
-              <a:buNone/>
-              <a:defRPr sz="1600" kern="1200">
-                <a:solidFill>
-                  <a:schemeClr val="tx1"/>
-                </a:solidFill>
-                <a:latin typeface="+mn-lt"/>
-                <a:ea typeface="+mn-ea"/>
-                <a:cs typeface="+mn-cs"/>
-              </a:defRPr>
-            </a:lvl4pPr>
-            <a:lvl5pPr marL="1828800" indent="0" algn="ctr" defTabSz="914400" rtl="0" eaLnBrk="1" latinLnBrk="0" hangingPunct="1">
-              <a:lnSpc>
-                <a:spcPct val="90000"/>
-              </a:lnSpc>
-              <a:spcBef>
-                <a:spcPts val="500"/>
-              </a:spcBef>
-              <a:buFont typeface="Arial" panose="020B0604020202020204" pitchFamily="34" charset="0"/>
-              <a:buNone/>
-              <a:defRPr sz="1600" kern="1200">
-                <a:solidFill>
-                  <a:schemeClr val="tx1"/>
-                </a:solidFill>
-                <a:latin typeface="+mn-lt"/>
-                <a:ea typeface="+mn-ea"/>
-                <a:cs typeface="+mn-cs"/>
-              </a:defRPr>
-            </a:lvl5pPr>
-            <a:lvl6pPr marL="2286000" indent="0" algn="ctr" defTabSz="914400" rtl="0" eaLnBrk="1" latinLnBrk="0" hangingPunct="1">
-              <a:lnSpc>
-                <a:spcPct val="90000"/>
-              </a:lnSpc>
-              <a:spcBef>
-                <a:spcPts val="500"/>
-              </a:spcBef>
-              <a:buFont typeface="Arial" panose="020B0604020202020204" pitchFamily="34" charset="0"/>
-              <a:buNone/>
-              <a:defRPr sz="1600" kern="1200">
-                <a:solidFill>
-                  <a:schemeClr val="tx1"/>
-                </a:solidFill>
-                <a:latin typeface="+mn-lt"/>
-                <a:ea typeface="+mn-ea"/>
-                <a:cs typeface="+mn-cs"/>
-              </a:defRPr>
-            </a:lvl6pPr>
-            <a:lvl7pPr marL="2743200" indent="0" algn="ctr" defTabSz="914400" rtl="0" eaLnBrk="1" latinLnBrk="0" hangingPunct="1">
-              <a:lnSpc>
-                <a:spcPct val="90000"/>
-              </a:lnSpc>
-              <a:spcBef>
-                <a:spcPts val="500"/>
-              </a:spcBef>
-              <a:buFont typeface="Arial" panose="020B0604020202020204" pitchFamily="34" charset="0"/>
-              <a:buNone/>
-              <a:defRPr sz="1600" kern="1200">
-                <a:solidFill>
-                  <a:schemeClr val="tx1"/>
-                </a:solidFill>
-                <a:latin typeface="+mn-lt"/>
-                <a:ea typeface="+mn-ea"/>
-                <a:cs typeface="+mn-cs"/>
-              </a:defRPr>
-            </a:lvl7pPr>
-            <a:lvl8pPr marL="3200400" indent="0" algn="ctr" defTabSz="914400" rtl="0" eaLnBrk="1" latinLnBrk="0" hangingPunct="1">
-              <a:lnSpc>
-                <a:spcPct val="90000"/>
-              </a:lnSpc>
-              <a:spcBef>
-                <a:spcPts val="500"/>
-              </a:spcBef>
-              <a:buFont typeface="Arial" panose="020B0604020202020204" pitchFamily="34" charset="0"/>
-              <a:buNone/>
-              <a:defRPr sz="1600" kern="1200">
-                <a:solidFill>
-                  <a:schemeClr val="tx1"/>
-                </a:solidFill>
-                <a:latin typeface="+mn-lt"/>
-                <a:ea typeface="+mn-ea"/>
-                <a:cs typeface="+mn-cs"/>
-              </a:defRPr>
-            </a:lvl8pPr>
-            <a:lvl9pPr marL="3657600" indent="0" algn="ctr" defTabSz="914400" rtl="0" eaLnBrk="1" latinLnBrk="0" hangingPunct="1">
-              <a:lnSpc>
-                <a:spcPct val="90000"/>
-              </a:lnSpc>
-              <a:spcBef>
-                <a:spcPts val="500"/>
-              </a:spcBef>
-              <a:buFont typeface="Arial" panose="020B0604020202020204" pitchFamily="34" charset="0"/>
-              <a:buNone/>
-              <a:defRPr sz="1600" kern="1200">
-                <a:solidFill>
-                  <a:schemeClr val="tx1"/>
-                </a:solidFill>
-                <a:latin typeface="+mn-lt"/>
-                <a:ea typeface="+mn-ea"/>
-                <a:cs typeface="+mn-cs"/>
-              </a:defRPr>
-            </a:lvl9pPr>
-          </a:lstStyle>
-          <a:p>
-            <a:r>
-              <a:rPr lang="en-US"/>
-              <a:t> </a:t>
-            </a:r>
-            <a:endParaRPr lang="en-US" dirty="0"/>
-          </a:p>
-        </p:txBody>
-      </p:sp>
-      <p:sp>
-        <p:nvSpPr>
-          <p:cNvPr id="6" name="Text Placeholder 3">
-            <a:extLst>
-              <a:ext uri="{FF2B5EF4-FFF2-40B4-BE49-F238E27FC236}">
-                <a16:creationId xmlns:a16="http://schemas.microsoft.com/office/drawing/2014/main" id="{915A66BC-6B0F-4EF8-B3A6-9E840F97A594}"/>
-              </a:ext>
-            </a:extLst>
-          </p:cNvPr>
-          <p:cNvSpPr txBox="1">
-            <a:spLocks/>
-          </p:cNvSpPr>
-          <p:nvPr/>
-        </p:nvSpPr>
-        <p:spPr>
-          <a:xfrm>
-            <a:off x="312418" y="783773"/>
-            <a:ext cx="11567160" cy="429208"/>
-          </a:xfrm>
-          <a:prstGeom prst="rect">
-            <a:avLst/>
-          </a:prstGeom>
-        </p:spPr>
-        <p:txBody>
-          <a:bodyPr vert="horz" lIns="91440" tIns="45720" rIns="91440" bIns="45720" rtlCol="0" anchor="ctr"/>
-          <a:lstStyle>
-            <a:defPPr>
-              <a:defRPr lang="en-US"/>
-            </a:defPPr>
-            <a:lvl1pPr marL="0" algn="l" defTabSz="914400" rtl="0" eaLnBrk="1" latinLnBrk="0" hangingPunct="1">
-              <a:defRPr sz="1200" kern="1200">
-                <a:solidFill>
-                  <a:schemeClr val="tx1">
-                    <a:tint val="75000"/>
-                  </a:schemeClr>
-                </a:solidFill>
-                <a:latin typeface="+mn-lt"/>
-                <a:ea typeface="+mn-ea"/>
-                <a:cs typeface="+mn-cs"/>
-              </a:defRPr>
-            </a:lvl1pPr>
-            <a:lvl2pPr marL="457200" algn="l" defTabSz="914400" rtl="0" eaLnBrk="1" latinLnBrk="0" hangingPunct="1">
-              <a:defRPr sz="1800" kern="1200">
-                <a:solidFill>
-                  <a:schemeClr val="tx1"/>
-                </a:solidFill>
-                <a:latin typeface="+mn-lt"/>
-                <a:ea typeface="+mn-ea"/>
-                <a:cs typeface="+mn-cs"/>
-              </a:defRPr>
-            </a:lvl2pPr>
-            <a:lvl3pPr marL="914400" algn="l" defTabSz="914400" rtl="0" eaLnBrk="1" latinLnBrk="0" hangingPunct="1">
-              <a:defRPr sz="1800" kern="1200">
-                <a:solidFill>
-                  <a:schemeClr val="tx1"/>
-                </a:solidFill>
-                <a:latin typeface="+mn-lt"/>
-                <a:ea typeface="+mn-ea"/>
-                <a:cs typeface="+mn-cs"/>
-              </a:defRPr>
-            </a:lvl3pPr>
-            <a:lvl4pPr marL="1371600" algn="l" defTabSz="914400" rtl="0" eaLnBrk="1" latinLnBrk="0" hangingPunct="1">
-              <a:defRPr sz="1800" kern="1200">
-                <a:solidFill>
-                  <a:schemeClr val="tx1"/>
-                </a:solidFill>
-                <a:latin typeface="+mn-lt"/>
-                <a:ea typeface="+mn-ea"/>
-                <a:cs typeface="+mn-cs"/>
-              </a:defRPr>
-            </a:lvl4pPr>
-            <a:lvl5pPr marL="1828800" algn="l" defTabSz="914400" rtl="0" eaLnBrk="1" latinLnBrk="0" hangingPunct="1">
-              <a:defRPr sz="1800" kern="1200">
-                <a:solidFill>
-                  <a:schemeClr val="tx1"/>
-                </a:solidFill>
-                <a:latin typeface="+mn-lt"/>
-                <a:ea typeface="+mn-ea"/>
-                <a:cs typeface="+mn-cs"/>
-              </a:defRPr>
-            </a:lvl5pPr>
-            <a:lvl6pPr marL="2286000" algn="l" defTabSz="914400" rtl="0" eaLnBrk="1" latinLnBrk="0" hangingPunct="1">
-              <a:defRPr sz="1800" kern="1200">
-                <a:solidFill>
-                  <a:schemeClr val="tx1"/>
-                </a:solidFill>
-                <a:latin typeface="+mn-lt"/>
-                <a:ea typeface="+mn-ea"/>
-                <a:cs typeface="+mn-cs"/>
-              </a:defRPr>
-            </a:lvl6pPr>
-            <a:lvl7pPr marL="2743200" algn="l" defTabSz="914400" rtl="0" eaLnBrk="1" latinLnBrk="0" hangingPunct="1">
-              <a:defRPr sz="1800" kern="1200">
-                <a:solidFill>
-                  <a:schemeClr val="tx1"/>
-                </a:solidFill>
-                <a:latin typeface="+mn-lt"/>
-                <a:ea typeface="+mn-ea"/>
-                <a:cs typeface="+mn-cs"/>
-              </a:defRPr>
-            </a:lvl7pPr>
-            <a:lvl8pPr marL="3200400" algn="l" defTabSz="914400" rtl="0" eaLnBrk="1" latinLnBrk="0" hangingPunct="1">
-              <a:defRPr sz="1800" kern="1200">
-                <a:solidFill>
-                  <a:schemeClr val="tx1"/>
-                </a:solidFill>
-                <a:latin typeface="+mn-lt"/>
-                <a:ea typeface="+mn-ea"/>
-                <a:cs typeface="+mn-cs"/>
-              </a:defRPr>
-            </a:lvl8pPr>
-            <a:lvl9pPr marL="3657600" algn="l" defTabSz="914400" rtl="0" eaLnBrk="1" latinLnBrk="0" hangingPunct="1">
-              <a:defRPr sz="1800" kern="1200">
-                <a:solidFill>
-                  <a:schemeClr val="tx1"/>
-                </a:solidFill>
-                <a:latin typeface="+mn-lt"/>
-                <a:ea typeface="+mn-ea"/>
-                <a:cs typeface="+mn-cs"/>
-              </a:defRPr>
-            </a:lvl9pPr>
-          </a:lstStyle>
-          <a:p>
-            <a:endParaRPr lang="en-US" altLang="en-US" dirty="0"/>
-          </a:p>
-        </p:txBody>
-      </p:sp>
-      <p:sp>
-        <p:nvSpPr>
-          <p:cNvPr id="8" name="Rectangle: Rounded Corners 7">
-            <a:extLst>
-              <a:ext uri="{FF2B5EF4-FFF2-40B4-BE49-F238E27FC236}">
-                <a16:creationId xmlns:a16="http://schemas.microsoft.com/office/drawing/2014/main" id="{F672F36E-4524-489C-83F3-85F499A129C8}"/>
-              </a:ext>
-            </a:extLst>
-          </p:cNvPr>
-          <p:cNvSpPr/>
-          <p:nvPr/>
-        </p:nvSpPr>
-        <p:spPr>
-          <a:xfrm>
-            <a:off x="5281150" y="2848456"/>
-            <a:ext cx="5404312" cy="3288616"/>
-          </a:xfrm>
-          <a:prstGeom prst="roundRect">
-            <a:avLst>
-              <a:gd name="adj" fmla="val 0"/>
-            </a:avLst>
-          </a:prstGeom>
-          <a:solidFill>
-            <a:schemeClr val="tx2">
-              <a:lumMod val="20000"/>
-              <a:lumOff val="80000"/>
-            </a:schemeClr>
-          </a:solidFill>
-          <a:ln w="12700">
-            <a:noFill/>
-            <a:prstDash val="solid"/>
-          </a:ln>
-        </p:spPr>
-        <p:style>
-          <a:lnRef idx="2">
-            <a:schemeClr val="accent1">
-              <a:shade val="50000"/>
-            </a:schemeClr>
-          </a:lnRef>
-          <a:fillRef idx="1">
-            <a:schemeClr val="accent1"/>
-          </a:fillRef>
-          <a:effectRef idx="0">
-            <a:schemeClr val="accent1"/>
-          </a:effectRef>
-          <a:fontRef idx="minor">
-            <a:schemeClr val="lt1"/>
-          </a:fontRef>
-        </p:style>
-        <p:txBody>
-          <a:bodyPr rtlCol="0" anchor="ctr"/>
-          <a:lstStyle/>
-          <a:p>
-            <a:pPr algn="ctr"/>
-            <a:endParaRPr lang="en-US"/>
-          </a:p>
-        </p:txBody>
-      </p:sp>
-      <p:sp>
-        <p:nvSpPr>
-          <p:cNvPr id="10" name="Rectangle: Rounded Corners 9">
-            <a:extLst>
-              <a:ext uri="{FF2B5EF4-FFF2-40B4-BE49-F238E27FC236}">
-                <a16:creationId xmlns:a16="http://schemas.microsoft.com/office/drawing/2014/main" id="{65B72864-7055-4127-BED0-DB508A2909C7}"/>
-              </a:ext>
-            </a:extLst>
-          </p:cNvPr>
-          <p:cNvSpPr/>
-          <p:nvPr/>
-        </p:nvSpPr>
-        <p:spPr>
-          <a:xfrm>
-            <a:off x="7173600" y="3048000"/>
-            <a:ext cx="3420630" cy="2933715"/>
-          </a:xfrm>
-          <a:prstGeom prst="roundRect">
-            <a:avLst>
-              <a:gd name="adj" fmla="val 8127"/>
-            </a:avLst>
-          </a:prstGeom>
-          <a:solidFill>
-            <a:schemeClr val="accent1">
-              <a:lumMod val="40000"/>
-              <a:lumOff val="60000"/>
-            </a:schemeClr>
-          </a:solidFill>
-          <a:ln w="12700">
-            <a:noFill/>
-            <a:prstDash val="solid"/>
-          </a:ln>
-        </p:spPr>
-        <p:style>
-          <a:lnRef idx="2">
-            <a:schemeClr val="accent1">
-              <a:shade val="50000"/>
-            </a:schemeClr>
-          </a:lnRef>
-          <a:fillRef idx="1">
-            <a:schemeClr val="accent1"/>
-          </a:fillRef>
-          <a:effectRef idx="0">
-            <a:schemeClr val="accent1"/>
-          </a:effectRef>
-          <a:fontRef idx="minor">
-            <a:schemeClr val="lt1"/>
-          </a:fontRef>
-        </p:style>
-        <p:txBody>
-          <a:bodyPr rtlCol="0" anchor="ctr"/>
-          <a:lstStyle/>
-          <a:p>
-            <a:pPr algn="ctr"/>
-            <a:endParaRPr lang="en-US"/>
-          </a:p>
-        </p:txBody>
-      </p:sp>
-      <p:pic>
-        <p:nvPicPr>
-          <p:cNvPr id="11" name="Picture 10">
-            <a:extLst>
-              <a:ext uri="{FF2B5EF4-FFF2-40B4-BE49-F238E27FC236}">
-                <a16:creationId xmlns:a16="http://schemas.microsoft.com/office/drawing/2014/main" id="{A15CF211-16AB-479E-818F-A14DA350C8E4}"/>
-              </a:ext>
-            </a:extLst>
-          </p:cNvPr>
-          <p:cNvPicPr>
-            <a:picLocks noChangeAspect="1"/>
-          </p:cNvPicPr>
-          <p:nvPr/>
-        </p:nvPicPr>
-        <p:blipFill>
-          <a:blip r:embed="rId3">
-            <a:extLst>
-              <a:ext uri="{28A0092B-C50C-407E-A947-70E740481C1C}">
-                <a14:useLocalDpi xmlns:a14="http://schemas.microsoft.com/office/drawing/2010/main" val="0"/>
-              </a:ext>
-            </a:extLst>
-          </a:blip>
-          <a:stretch>
-            <a:fillRect/>
-          </a:stretch>
-        </p:blipFill>
-        <p:spPr>
-          <a:xfrm>
-            <a:off x="3814947" y="1996689"/>
-            <a:ext cx="780290" cy="780290"/>
-          </a:xfrm>
-          <a:prstGeom prst="rect">
-            <a:avLst/>
-          </a:prstGeom>
-        </p:spPr>
-      </p:pic>
-      <p:pic>
-        <p:nvPicPr>
-          <p:cNvPr id="12" name="Picture 11">
-            <a:extLst>
-              <a:ext uri="{FF2B5EF4-FFF2-40B4-BE49-F238E27FC236}">
-                <a16:creationId xmlns:a16="http://schemas.microsoft.com/office/drawing/2014/main" id="{09960939-7213-4844-868A-C0094CFAB477}"/>
-              </a:ext>
-            </a:extLst>
-          </p:cNvPr>
-          <p:cNvPicPr>
-            <a:picLocks noChangeAspect="1"/>
-          </p:cNvPicPr>
-          <p:nvPr/>
-        </p:nvPicPr>
-        <p:blipFill>
-          <a:blip r:embed="rId4">
-            <a:extLst>
-              <a:ext uri="{28A0092B-C50C-407E-A947-70E740481C1C}">
-                <a14:useLocalDpi xmlns:a14="http://schemas.microsoft.com/office/drawing/2010/main" val="0"/>
-              </a:ext>
-            </a:extLst>
-          </a:blip>
-          <a:stretch>
-            <a:fillRect/>
-          </a:stretch>
-        </p:blipFill>
-        <p:spPr>
-          <a:xfrm>
-            <a:off x="1203932" y="1182767"/>
-            <a:ext cx="780290" cy="780290"/>
-          </a:xfrm>
-          <a:prstGeom prst="rect">
-            <a:avLst/>
-          </a:prstGeom>
-        </p:spPr>
-      </p:pic>
-      <p:pic>
-        <p:nvPicPr>
-          <p:cNvPr id="15" name="Picture 14">
-            <a:extLst>
-              <a:ext uri="{FF2B5EF4-FFF2-40B4-BE49-F238E27FC236}">
-                <a16:creationId xmlns:a16="http://schemas.microsoft.com/office/drawing/2014/main" id="{7DA49C2B-1848-410F-98C2-9D5A78A35411}"/>
-              </a:ext>
-            </a:extLst>
-          </p:cNvPr>
-          <p:cNvPicPr>
-            <a:picLocks noChangeAspect="1"/>
-          </p:cNvPicPr>
-          <p:nvPr/>
-        </p:nvPicPr>
-        <p:blipFill>
-          <a:blip r:embed="rId5">
-            <a:extLst>
-              <a:ext uri="{28A0092B-C50C-407E-A947-70E740481C1C}">
-                <a14:useLocalDpi xmlns:a14="http://schemas.microsoft.com/office/drawing/2010/main" val="0"/>
-              </a:ext>
-            </a:extLst>
-          </a:blip>
-          <a:stretch>
-            <a:fillRect/>
-          </a:stretch>
-        </p:blipFill>
-        <p:spPr>
-          <a:xfrm>
-            <a:off x="6393310" y="5206100"/>
-            <a:ext cx="780290" cy="780290"/>
-          </a:xfrm>
-          <a:prstGeom prst="rect">
-            <a:avLst/>
-          </a:prstGeom>
-        </p:spPr>
-      </p:pic>
-      <p:sp>
-        <p:nvSpPr>
-          <p:cNvPr id="24" name="Rectangle 23">
-            <a:extLst>
-              <a:ext uri="{FF2B5EF4-FFF2-40B4-BE49-F238E27FC236}">
-                <a16:creationId xmlns:a16="http://schemas.microsoft.com/office/drawing/2014/main" id="{846ACFCA-5DCD-4317-A84D-8210B731D2FB}"/>
-              </a:ext>
-            </a:extLst>
-          </p:cNvPr>
-          <p:cNvSpPr/>
-          <p:nvPr/>
-        </p:nvSpPr>
-        <p:spPr>
-          <a:xfrm>
-            <a:off x="1573635" y="1894585"/>
-            <a:ext cx="9414433" cy="4428834"/>
-          </a:xfrm>
-          <a:prstGeom prst="rect">
-            <a:avLst/>
-          </a:prstGeom>
-          <a:noFill/>
-          <a:ln>
-            <a:solidFill>
-              <a:schemeClr val="bg1">
-                <a:lumMod val="65000"/>
-              </a:schemeClr>
-            </a:solidFill>
-          </a:ln>
-        </p:spPr>
-        <p:style>
-          <a:lnRef idx="2">
-            <a:schemeClr val="accent1">
-              <a:shade val="50000"/>
-            </a:schemeClr>
-          </a:lnRef>
-          <a:fillRef idx="1">
-            <a:schemeClr val="accent1"/>
-          </a:fillRef>
-          <a:effectRef idx="0">
-            <a:schemeClr val="accent1"/>
-          </a:effectRef>
-          <a:fontRef idx="minor">
-            <a:schemeClr val="lt1"/>
-          </a:fontRef>
-        </p:style>
-        <p:txBody>
-          <a:bodyPr rtlCol="0" anchor="ctr"/>
-          <a:lstStyle/>
-          <a:p>
-            <a:pPr algn="ctr"/>
-            <a:endParaRPr lang="en-US"/>
-          </a:p>
-        </p:txBody>
-      </p:sp>
-      <p:sp>
-        <p:nvSpPr>
-          <p:cNvPr id="25" name="TextBox 24">
-            <a:extLst>
-              <a:ext uri="{FF2B5EF4-FFF2-40B4-BE49-F238E27FC236}">
-                <a16:creationId xmlns:a16="http://schemas.microsoft.com/office/drawing/2014/main" id="{E3DBB654-E082-4466-93A5-A6831444683D}"/>
-              </a:ext>
-            </a:extLst>
-          </p:cNvPr>
-          <p:cNvSpPr txBox="1"/>
-          <p:nvPr/>
-        </p:nvSpPr>
-        <p:spPr>
-          <a:xfrm>
-            <a:off x="1990034" y="1578939"/>
-            <a:ext cx="1292790" cy="276999"/>
-          </a:xfrm>
-          <a:prstGeom prst="rect">
-            <a:avLst/>
-          </a:prstGeom>
-          <a:noFill/>
-        </p:spPr>
-        <p:txBody>
-          <a:bodyPr wrap="none" rtlCol="0">
-            <a:spAutoFit/>
-          </a:bodyPr>
-          <a:lstStyle/>
-          <a:p>
-            <a:r>
-              <a:rPr lang="en-US" sz="1200" dirty="0"/>
-              <a:t>Microsoft Azure</a:t>
-            </a:r>
-          </a:p>
-        </p:txBody>
-      </p:sp>
-      <p:sp>
-        <p:nvSpPr>
-          <p:cNvPr id="26" name="Rectangle 25">
-            <a:extLst>
-              <a:ext uri="{FF2B5EF4-FFF2-40B4-BE49-F238E27FC236}">
-                <a16:creationId xmlns:a16="http://schemas.microsoft.com/office/drawing/2014/main" id="{2ED24DA8-0B90-422A-96C5-FE4A9172C91C}"/>
-              </a:ext>
-            </a:extLst>
-          </p:cNvPr>
-          <p:cNvSpPr/>
-          <p:nvPr/>
-        </p:nvSpPr>
-        <p:spPr>
-          <a:xfrm>
-            <a:off x="3519055" y="2776979"/>
-            <a:ext cx="7269166" cy="3430092"/>
-          </a:xfrm>
-          <a:prstGeom prst="rect">
-            <a:avLst/>
-          </a:prstGeom>
-          <a:noFill/>
-          <a:ln>
-            <a:solidFill>
-              <a:schemeClr val="bg1">
-                <a:lumMod val="65000"/>
-              </a:schemeClr>
-            </a:solidFill>
-          </a:ln>
-        </p:spPr>
-        <p:style>
-          <a:lnRef idx="2">
-            <a:schemeClr val="accent1">
-              <a:shade val="50000"/>
-            </a:schemeClr>
-          </a:lnRef>
-          <a:fillRef idx="1">
-            <a:schemeClr val="accent1"/>
-          </a:fillRef>
-          <a:effectRef idx="0">
-            <a:schemeClr val="accent1"/>
-          </a:effectRef>
-          <a:fontRef idx="minor">
-            <a:schemeClr val="lt1"/>
-          </a:fontRef>
-        </p:style>
-        <p:txBody>
-          <a:bodyPr rtlCol="0" anchor="ctr"/>
-          <a:lstStyle/>
-          <a:p>
-            <a:pPr algn="ctr"/>
-            <a:endParaRPr lang="en-US"/>
-          </a:p>
-        </p:txBody>
-      </p:sp>
-      <p:sp>
-        <p:nvSpPr>
-          <p:cNvPr id="31" name="TextBox 30">
-            <a:extLst>
-              <a:ext uri="{FF2B5EF4-FFF2-40B4-BE49-F238E27FC236}">
-                <a16:creationId xmlns:a16="http://schemas.microsoft.com/office/drawing/2014/main" id="{E744AF35-BDCE-4E54-B37D-61DB0056C5AA}"/>
-              </a:ext>
-            </a:extLst>
-          </p:cNvPr>
-          <p:cNvSpPr txBox="1"/>
-          <p:nvPr/>
-        </p:nvSpPr>
-        <p:spPr>
-          <a:xfrm>
-            <a:off x="4706928" y="2427959"/>
-            <a:ext cx="1302536" cy="276999"/>
-          </a:xfrm>
-          <a:prstGeom prst="rect">
-            <a:avLst/>
-          </a:prstGeom>
-          <a:noFill/>
-        </p:spPr>
-        <p:txBody>
-          <a:bodyPr wrap="none" rtlCol="0">
-            <a:spAutoFit/>
-          </a:bodyPr>
-          <a:lstStyle/>
-          <a:p>
-            <a:r>
-              <a:rPr lang="en-US" sz="1200" dirty="0"/>
-              <a:t>Resource Group</a:t>
-            </a:r>
-          </a:p>
-        </p:txBody>
-      </p:sp>
-      <p:cxnSp>
-        <p:nvCxnSpPr>
-          <p:cNvPr id="36" name="Straight Connector 35">
-            <a:extLst>
-              <a:ext uri="{FF2B5EF4-FFF2-40B4-BE49-F238E27FC236}">
-                <a16:creationId xmlns:a16="http://schemas.microsoft.com/office/drawing/2014/main" id="{2191D965-E916-49BB-B1C4-E957F0545097}"/>
-              </a:ext>
-            </a:extLst>
-          </p:cNvPr>
-          <p:cNvCxnSpPr>
-            <a:cxnSpLocks/>
-            <a:stCxn id="15" idx="3"/>
-          </p:cNvCxnSpPr>
-          <p:nvPr/>
-        </p:nvCxnSpPr>
-        <p:spPr>
-          <a:xfrm>
-            <a:off x="7173600" y="5596245"/>
-            <a:ext cx="3346083" cy="0"/>
-          </a:xfrm>
-          <a:prstGeom prst="line">
-            <a:avLst/>
-          </a:prstGeom>
-          <a:ln w="38100">
-            <a:solidFill>
-              <a:schemeClr val="accent1"/>
-            </a:solidFill>
-          </a:ln>
-        </p:spPr>
-        <p:style>
-          <a:lnRef idx="1">
-            <a:schemeClr val="accent1"/>
-          </a:lnRef>
-          <a:fillRef idx="0">
-            <a:schemeClr val="accent1"/>
-          </a:fillRef>
-          <a:effectRef idx="0">
-            <a:schemeClr val="accent1"/>
-          </a:effectRef>
-          <a:fontRef idx="minor">
-            <a:schemeClr val="tx1"/>
-          </a:fontRef>
-        </p:style>
-      </p:cxnSp>
-      <p:sp>
-        <p:nvSpPr>
-          <p:cNvPr id="40" name="TextBox 39">
-            <a:extLst>
-              <a:ext uri="{FF2B5EF4-FFF2-40B4-BE49-F238E27FC236}">
-                <a16:creationId xmlns:a16="http://schemas.microsoft.com/office/drawing/2014/main" id="{118B6DFB-2F82-4EF8-BAC3-FD2D6F1FC9F0}"/>
-              </a:ext>
-            </a:extLst>
-          </p:cNvPr>
-          <p:cNvSpPr txBox="1"/>
-          <p:nvPr/>
-        </p:nvSpPr>
-        <p:spPr>
-          <a:xfrm>
-            <a:off x="6180891" y="5821925"/>
-            <a:ext cx="1176284" cy="276999"/>
-          </a:xfrm>
-          <a:prstGeom prst="rect">
-            <a:avLst/>
-          </a:prstGeom>
-          <a:noFill/>
-        </p:spPr>
-        <p:txBody>
-          <a:bodyPr wrap="none" rtlCol="0">
-            <a:spAutoFit/>
-          </a:bodyPr>
-          <a:lstStyle/>
-          <a:p>
-            <a:pPr algn="ctr"/>
-            <a:r>
-              <a:rPr lang="en-US" sz="1200" dirty="0"/>
-              <a:t>Virtual Network</a:t>
-            </a:r>
-          </a:p>
-        </p:txBody>
-      </p:sp>
-      <p:grpSp>
-        <p:nvGrpSpPr>
-          <p:cNvPr id="71" name="Group 70">
-            <a:extLst>
-              <a:ext uri="{FF2B5EF4-FFF2-40B4-BE49-F238E27FC236}">
-                <a16:creationId xmlns:a16="http://schemas.microsoft.com/office/drawing/2014/main" id="{F7A5ED5C-75A8-4A02-9602-684A3C6925B1}"/>
-              </a:ext>
-            </a:extLst>
-          </p:cNvPr>
-          <p:cNvGrpSpPr/>
-          <p:nvPr/>
-        </p:nvGrpSpPr>
-        <p:grpSpPr>
-          <a:xfrm>
-            <a:off x="7508089" y="4260430"/>
-            <a:ext cx="1064650" cy="1334609"/>
-            <a:chOff x="5608413" y="4260430"/>
-            <a:chExt cx="1064650" cy="1334609"/>
-          </a:xfrm>
-        </p:grpSpPr>
-        <p:pic>
-          <p:nvPicPr>
-            <p:cNvPr id="28" name="Picture 27">
-              <a:extLst>
-                <a:ext uri="{FF2B5EF4-FFF2-40B4-BE49-F238E27FC236}">
-                  <a16:creationId xmlns:a16="http://schemas.microsoft.com/office/drawing/2014/main" id="{63462122-B8EA-4C87-9B4E-2FD6A9ED05A1}"/>
-                </a:ext>
-              </a:extLst>
-            </p:cNvPr>
-            <p:cNvPicPr>
-              <a:picLocks noChangeAspect="1"/>
-            </p:cNvPicPr>
-            <p:nvPr/>
-          </p:nvPicPr>
-          <p:blipFill>
-            <a:blip r:embed="rId6">
-              <a:extLst>
-                <a:ext uri="{28A0092B-C50C-407E-A947-70E740481C1C}">
-                  <a14:useLocalDpi xmlns:a14="http://schemas.microsoft.com/office/drawing/2010/main" val="0"/>
-                </a:ext>
-              </a:extLst>
-            </a:blip>
-            <a:stretch>
-              <a:fillRect/>
-            </a:stretch>
-          </p:blipFill>
-          <p:spPr>
-            <a:xfrm>
-              <a:off x="5755160" y="4556753"/>
-              <a:ext cx="780290" cy="780290"/>
-            </a:xfrm>
-            <a:prstGeom prst="rect">
-              <a:avLst/>
-            </a:prstGeom>
-          </p:spPr>
-        </p:pic>
-        <p:cxnSp>
-          <p:nvCxnSpPr>
-            <p:cNvPr id="37" name="Straight Connector 36">
-              <a:extLst>
-                <a:ext uri="{FF2B5EF4-FFF2-40B4-BE49-F238E27FC236}">
-                  <a16:creationId xmlns:a16="http://schemas.microsoft.com/office/drawing/2014/main" id="{66BBCCFE-CAA2-434B-939F-8E114E24B795}"/>
-                </a:ext>
-              </a:extLst>
-            </p:cNvPr>
-            <p:cNvCxnSpPr>
-              <a:cxnSpLocks/>
-            </p:cNvCxnSpPr>
-            <p:nvPr/>
-          </p:nvCxnSpPr>
-          <p:spPr>
-            <a:xfrm>
-              <a:off x="6145305" y="5274999"/>
-              <a:ext cx="0" cy="320040"/>
-            </a:xfrm>
-            <a:prstGeom prst="line">
-              <a:avLst/>
-            </a:prstGeom>
-            <a:ln w="38100">
-              <a:solidFill>
-                <a:schemeClr val="accent1"/>
-              </a:solidFill>
-            </a:ln>
-          </p:spPr>
-          <p:style>
-            <a:lnRef idx="1">
-              <a:schemeClr val="accent1"/>
-            </a:lnRef>
-            <a:fillRef idx="0">
-              <a:schemeClr val="accent1"/>
-            </a:fillRef>
-            <a:effectRef idx="0">
-              <a:schemeClr val="accent1"/>
-            </a:effectRef>
-            <a:fontRef idx="minor">
-              <a:schemeClr val="tx1"/>
-            </a:fontRef>
-          </p:style>
-        </p:cxnSp>
-        <p:sp>
-          <p:nvSpPr>
-            <p:cNvPr id="41" name="TextBox 40">
-              <a:extLst>
-                <a:ext uri="{FF2B5EF4-FFF2-40B4-BE49-F238E27FC236}">
-                  <a16:creationId xmlns:a16="http://schemas.microsoft.com/office/drawing/2014/main" id="{C7CF1F8F-4339-43E9-8BCC-83DC89DB06BC}"/>
-                </a:ext>
-              </a:extLst>
-            </p:cNvPr>
-            <p:cNvSpPr txBox="1"/>
-            <p:nvPr/>
-          </p:nvSpPr>
-          <p:spPr>
-            <a:xfrm>
-              <a:off x="5608413" y="4260430"/>
-              <a:ext cx="1064650" cy="276999"/>
-            </a:xfrm>
-            <a:prstGeom prst="rect">
-              <a:avLst/>
-            </a:prstGeom>
-            <a:noFill/>
-          </p:spPr>
-          <p:txBody>
-            <a:bodyPr wrap="none" rtlCol="0">
-              <a:spAutoFit/>
-            </a:bodyPr>
-            <a:lstStyle/>
-            <a:p>
-              <a:r>
-                <a:rPr lang="en-US" sz="1200" dirty="0"/>
-                <a:t>sqlserver2016</a:t>
-              </a:r>
-            </a:p>
-          </p:txBody>
-        </p:sp>
-      </p:grpSp>
-      <p:pic>
-        <p:nvPicPr>
-          <p:cNvPr id="52" name="Picture 51">
-            <a:extLst>
-              <a:ext uri="{FF2B5EF4-FFF2-40B4-BE49-F238E27FC236}">
-                <a16:creationId xmlns:a16="http://schemas.microsoft.com/office/drawing/2014/main" id="{BC20FD52-36B2-418F-9D63-531FCA594B45}"/>
-              </a:ext>
-            </a:extLst>
-          </p:cNvPr>
-          <p:cNvPicPr>
-            <a:picLocks noChangeAspect="1"/>
-          </p:cNvPicPr>
-          <p:nvPr/>
-        </p:nvPicPr>
-        <p:blipFill>
-          <a:blip r:embed="rId7">
-            <a:extLst>
-              <a:ext uri="{28A0092B-C50C-407E-A947-70E740481C1C}">
-                <a14:useLocalDpi xmlns:a14="http://schemas.microsoft.com/office/drawing/2010/main" val="0"/>
-              </a:ext>
-            </a:extLst>
-          </a:blip>
-          <a:stretch>
-            <a:fillRect/>
-          </a:stretch>
-        </p:blipFill>
-        <p:spPr>
-          <a:xfrm>
-            <a:off x="6835751" y="3051916"/>
-            <a:ext cx="780290" cy="780290"/>
-          </a:xfrm>
-          <a:prstGeom prst="rect">
-            <a:avLst/>
-          </a:prstGeom>
-        </p:spPr>
-      </p:pic>
-      <p:pic>
-        <p:nvPicPr>
-          <p:cNvPr id="63" name="Picture 62">
-            <a:extLst>
-              <a:ext uri="{FF2B5EF4-FFF2-40B4-BE49-F238E27FC236}">
-                <a16:creationId xmlns:a16="http://schemas.microsoft.com/office/drawing/2014/main" id="{438CD32F-A4BD-4A9A-8AAF-1B81CE4494C6}"/>
-              </a:ext>
-            </a:extLst>
-          </p:cNvPr>
-          <p:cNvPicPr>
-            <a:picLocks noChangeAspect="1"/>
-          </p:cNvPicPr>
-          <p:nvPr/>
-        </p:nvPicPr>
-        <p:blipFill>
-          <a:blip r:embed="rId8">
-            <a:extLst>
-              <a:ext uri="{28A0092B-C50C-407E-A947-70E740481C1C}">
-                <a14:useLocalDpi xmlns:a14="http://schemas.microsoft.com/office/drawing/2010/main" val="0"/>
-              </a:ext>
-            </a:extLst>
-          </a:blip>
-          <a:stretch>
-            <a:fillRect/>
-          </a:stretch>
-        </p:blipFill>
-        <p:spPr>
-          <a:xfrm>
-            <a:off x="2255339" y="3390317"/>
-            <a:ext cx="842477" cy="842477"/>
-          </a:xfrm>
-          <a:prstGeom prst="rect">
-            <a:avLst/>
-          </a:prstGeom>
-        </p:spPr>
-      </p:pic>
-      <p:pic>
-        <p:nvPicPr>
-          <p:cNvPr id="65" name="Picture 64">
-            <a:extLst>
-              <a:ext uri="{FF2B5EF4-FFF2-40B4-BE49-F238E27FC236}">
-                <a16:creationId xmlns:a16="http://schemas.microsoft.com/office/drawing/2014/main" id="{1415C4C9-9DA3-4183-BBE9-D23225EEBC72}"/>
-              </a:ext>
-            </a:extLst>
-          </p:cNvPr>
-          <p:cNvPicPr>
-            <a:picLocks noChangeAspect="1"/>
-          </p:cNvPicPr>
-          <p:nvPr/>
-        </p:nvPicPr>
-        <p:blipFill>
-          <a:blip r:embed="rId9">
-            <a:extLst>
-              <a:ext uri="{28A0092B-C50C-407E-A947-70E740481C1C}">
-                <a14:useLocalDpi xmlns:a14="http://schemas.microsoft.com/office/drawing/2010/main" val="0"/>
-              </a:ext>
-            </a:extLst>
-          </a:blip>
-          <a:stretch>
-            <a:fillRect/>
-          </a:stretch>
-        </p:blipFill>
-        <p:spPr>
-          <a:xfrm>
-            <a:off x="3965814" y="4659789"/>
-            <a:ext cx="780290" cy="780290"/>
-          </a:xfrm>
-          <a:prstGeom prst="rect">
-            <a:avLst/>
-          </a:prstGeom>
-        </p:spPr>
-      </p:pic>
-      <p:pic>
-        <p:nvPicPr>
-          <p:cNvPr id="69" name="Picture 68">
-            <a:extLst>
-              <a:ext uri="{FF2B5EF4-FFF2-40B4-BE49-F238E27FC236}">
-                <a16:creationId xmlns:a16="http://schemas.microsoft.com/office/drawing/2014/main" id="{22EAC71A-B0B1-4ACD-8EB1-45488A8DF7B6}"/>
-              </a:ext>
-            </a:extLst>
-          </p:cNvPr>
-          <p:cNvPicPr>
-            <a:picLocks noChangeAspect="1"/>
-          </p:cNvPicPr>
-          <p:nvPr/>
-        </p:nvPicPr>
-        <p:blipFill>
-          <a:blip r:embed="rId10">
-            <a:extLst>
-              <a:ext uri="{28A0092B-C50C-407E-A947-70E740481C1C}">
-                <a14:useLocalDpi xmlns:a14="http://schemas.microsoft.com/office/drawing/2010/main" val="0"/>
-              </a:ext>
-            </a:extLst>
-          </a:blip>
-          <a:stretch>
-            <a:fillRect/>
-          </a:stretch>
-        </p:blipFill>
-        <p:spPr>
-          <a:xfrm>
-            <a:off x="2281752" y="4758248"/>
-            <a:ext cx="709355" cy="709355"/>
-          </a:xfrm>
-          <a:prstGeom prst="rect">
-            <a:avLst/>
-          </a:prstGeom>
-        </p:spPr>
-      </p:pic>
-      <p:pic>
-        <p:nvPicPr>
-          <p:cNvPr id="74" name="Picture 73">
-            <a:extLst>
-              <a:ext uri="{FF2B5EF4-FFF2-40B4-BE49-F238E27FC236}">
-                <a16:creationId xmlns:a16="http://schemas.microsoft.com/office/drawing/2014/main" id="{B1E3EFB2-5543-42C1-B1A0-C13425F4CB16}"/>
-              </a:ext>
-            </a:extLst>
-          </p:cNvPr>
-          <p:cNvPicPr>
-            <a:picLocks noChangeAspect="1"/>
-          </p:cNvPicPr>
-          <p:nvPr/>
-        </p:nvPicPr>
-        <p:blipFill>
-          <a:blip r:embed="rId11">
-            <a:extLst>
-              <a:ext uri="{28A0092B-C50C-407E-A947-70E740481C1C}">
-                <a14:useLocalDpi xmlns:a14="http://schemas.microsoft.com/office/drawing/2010/main" val="0"/>
-              </a:ext>
-            </a:extLst>
-          </a:blip>
-          <a:stretch>
-            <a:fillRect/>
-          </a:stretch>
-        </p:blipFill>
-        <p:spPr>
-          <a:xfrm>
-            <a:off x="5856395" y="3842649"/>
-            <a:ext cx="780290" cy="780290"/>
-          </a:xfrm>
-          <a:prstGeom prst="rect">
-            <a:avLst/>
-          </a:prstGeom>
-        </p:spPr>
-      </p:pic>
-      <p:sp>
-        <p:nvSpPr>
-          <p:cNvPr id="78" name="TextBox 77">
-            <a:extLst>
-              <a:ext uri="{FF2B5EF4-FFF2-40B4-BE49-F238E27FC236}">
-                <a16:creationId xmlns:a16="http://schemas.microsoft.com/office/drawing/2014/main" id="{9B3F85B7-DC28-4279-AC14-7D9896F6D863}"/>
-              </a:ext>
-            </a:extLst>
-          </p:cNvPr>
-          <p:cNvSpPr txBox="1"/>
-          <p:nvPr/>
-        </p:nvSpPr>
-        <p:spPr>
-          <a:xfrm>
-            <a:off x="3975631" y="5470584"/>
-            <a:ext cx="760657" cy="276999"/>
-          </a:xfrm>
-          <a:prstGeom prst="rect">
-            <a:avLst/>
-          </a:prstGeom>
-          <a:noFill/>
-        </p:spPr>
-        <p:txBody>
-          <a:bodyPr wrap="none" rtlCol="0">
-            <a:spAutoFit/>
-          </a:bodyPr>
-          <a:lstStyle/>
-          <a:p>
-            <a:pPr algn="ctr"/>
-            <a:r>
-              <a:rPr lang="en-US" sz="1200" dirty="0"/>
-              <a:t>Key Vault</a:t>
-            </a:r>
-          </a:p>
-        </p:txBody>
-      </p:sp>
-      <p:sp>
-        <p:nvSpPr>
-          <p:cNvPr id="79" name="TextBox 78">
-            <a:extLst>
-              <a:ext uri="{FF2B5EF4-FFF2-40B4-BE49-F238E27FC236}">
-                <a16:creationId xmlns:a16="http://schemas.microsoft.com/office/drawing/2014/main" id="{EFE20887-ACEE-4C12-B78C-D7429DA5F3C2}"/>
-              </a:ext>
-            </a:extLst>
-          </p:cNvPr>
-          <p:cNvSpPr txBox="1"/>
-          <p:nvPr/>
-        </p:nvSpPr>
-        <p:spPr>
-          <a:xfrm>
-            <a:off x="2127664" y="5476843"/>
-            <a:ext cx="999761" cy="276999"/>
-          </a:xfrm>
-          <a:prstGeom prst="rect">
-            <a:avLst/>
-          </a:prstGeom>
-          <a:noFill/>
-        </p:spPr>
-        <p:txBody>
-          <a:bodyPr wrap="none" rtlCol="0">
-            <a:spAutoFit/>
-          </a:bodyPr>
-          <a:lstStyle/>
-          <a:p>
-            <a:pPr algn="ctr"/>
-            <a:r>
-              <a:rPr lang="en-US" sz="1200" dirty="0"/>
-              <a:t>Log Analytics</a:t>
-            </a:r>
-          </a:p>
-        </p:txBody>
-      </p:sp>
-      <p:sp>
-        <p:nvSpPr>
-          <p:cNvPr id="80" name="TextBox 79">
-            <a:extLst>
-              <a:ext uri="{FF2B5EF4-FFF2-40B4-BE49-F238E27FC236}">
-                <a16:creationId xmlns:a16="http://schemas.microsoft.com/office/drawing/2014/main" id="{3E81A5AB-9CD9-483A-A8D5-20785B4520A7}"/>
-              </a:ext>
-            </a:extLst>
-          </p:cNvPr>
-          <p:cNvSpPr txBox="1"/>
-          <p:nvPr/>
-        </p:nvSpPr>
-        <p:spPr>
-          <a:xfrm>
-            <a:off x="2058256" y="4237858"/>
-            <a:ext cx="1138581" cy="276999"/>
-          </a:xfrm>
-          <a:prstGeom prst="rect">
-            <a:avLst/>
-          </a:prstGeom>
-          <a:noFill/>
-        </p:spPr>
-        <p:txBody>
-          <a:bodyPr wrap="none" rtlCol="0">
-            <a:spAutoFit/>
-          </a:bodyPr>
-          <a:lstStyle/>
-          <a:p>
-            <a:pPr algn="ctr"/>
-            <a:r>
-              <a:rPr lang="en-US" sz="1200" dirty="0"/>
-              <a:t>Security Center</a:t>
-            </a:r>
-          </a:p>
-        </p:txBody>
-      </p:sp>
-      <p:sp>
-        <p:nvSpPr>
-          <p:cNvPr id="81" name="TextBox 80">
-            <a:extLst>
-              <a:ext uri="{FF2B5EF4-FFF2-40B4-BE49-F238E27FC236}">
-                <a16:creationId xmlns:a16="http://schemas.microsoft.com/office/drawing/2014/main" id="{79EDF3B1-E74E-4234-96DA-66CB5429C405}"/>
-              </a:ext>
-            </a:extLst>
-          </p:cNvPr>
-          <p:cNvSpPr txBox="1"/>
-          <p:nvPr/>
-        </p:nvSpPr>
-        <p:spPr>
-          <a:xfrm>
-            <a:off x="5759612" y="4582078"/>
-            <a:ext cx="973857" cy="276999"/>
-          </a:xfrm>
-          <a:prstGeom prst="rect">
-            <a:avLst/>
-          </a:prstGeom>
-          <a:noFill/>
-        </p:spPr>
-        <p:txBody>
-          <a:bodyPr wrap="none" rtlCol="0">
-            <a:spAutoFit/>
-          </a:bodyPr>
-          <a:lstStyle/>
-          <a:p>
-            <a:pPr algn="ctr"/>
-            <a:r>
-              <a:rPr lang="en-US" sz="1200" dirty="0"/>
-              <a:t>Blob Storage</a:t>
-            </a:r>
-          </a:p>
-        </p:txBody>
-      </p:sp>
-      <p:sp>
-        <p:nvSpPr>
-          <p:cNvPr id="32" name="TextBox 31">
-            <a:extLst>
-              <a:ext uri="{FF2B5EF4-FFF2-40B4-BE49-F238E27FC236}">
-                <a16:creationId xmlns:a16="http://schemas.microsoft.com/office/drawing/2014/main" id="{493FD7D3-9C89-426E-A722-288778E72CAB}"/>
-              </a:ext>
-            </a:extLst>
-          </p:cNvPr>
-          <p:cNvSpPr txBox="1"/>
-          <p:nvPr/>
-        </p:nvSpPr>
-        <p:spPr>
-          <a:xfrm>
-            <a:off x="8332514" y="5677845"/>
-            <a:ext cx="1102802" cy="276999"/>
-          </a:xfrm>
-          <a:prstGeom prst="rect">
-            <a:avLst/>
-          </a:prstGeom>
-          <a:noFill/>
-        </p:spPr>
-        <p:txBody>
-          <a:bodyPr wrap="none" rtlCol="0">
-            <a:spAutoFit/>
-          </a:bodyPr>
-          <a:lstStyle/>
-          <a:p>
-            <a:pPr algn="ctr"/>
-            <a:r>
-              <a:rPr lang="en-US" sz="1200" dirty="0"/>
-              <a:t>Default subnet</a:t>
-            </a:r>
-          </a:p>
-        </p:txBody>
-      </p:sp>
-    </p:spTree>
-    <p:extLst>
-      <p:ext uri="{BB962C8B-B14F-4D97-AF65-F5344CB8AC3E}">
-        <p14:creationId xmlns:p14="http://schemas.microsoft.com/office/powerpoint/2010/main" val="99505081"/>
       </p:ext>
     </p:extLst>
   </p:cSld>
